--- a/other/Maquette - Zoning.pptx
+++ b/other/Maquette - Zoning.pptx
@@ -12,9 +12,9 @@
     <p:sldId id="259" r:id="rId3"/>
     <p:sldId id="257" r:id="rId4"/>
     <p:sldId id="267" r:id="rId5"/>
-    <p:sldId id="260" r:id="rId6"/>
-    <p:sldId id="265" r:id="rId7"/>
-    <p:sldId id="261" r:id="rId8"/>
+    <p:sldId id="265" r:id="rId6"/>
+    <p:sldId id="261" r:id="rId7"/>
+    <p:sldId id="260" r:id="rId8"/>
     <p:sldId id="268" r:id="rId9"/>
     <p:sldId id="266" r:id="rId10"/>
   </p:sldIdLst>
@@ -205,7 +205,7 @@
           <a:p>
             <a:fld id="{2EC9B8E1-8737-41A6-8049-8821F6FD00B8}" type="datetimeFigureOut">
               <a:rPr lang="fr-FR" smtClean="0"/>
-              <a:t>21/10/2023</a:t>
+              <a:t>06/11/2023</a:t>
             </a:fld>
             <a:endParaRPr lang="fr-FR"/>
           </a:p>
@@ -790,7 +790,7 @@
           <a:p>
             <a:fld id="{5D78E834-0D2C-44D5-883E-03BA4DDD9834}" type="datetimeFigureOut">
               <a:rPr lang="fr-FR" smtClean="0"/>
-              <a:t>21/10/2023</a:t>
+              <a:t>06/11/2023</a:t>
             </a:fld>
             <a:endParaRPr lang="fr-FR"/>
           </a:p>
@@ -988,7 +988,7 @@
           <a:p>
             <a:fld id="{5D78E834-0D2C-44D5-883E-03BA4DDD9834}" type="datetimeFigureOut">
               <a:rPr lang="fr-FR" smtClean="0"/>
-              <a:t>21/10/2023</a:t>
+              <a:t>06/11/2023</a:t>
             </a:fld>
             <a:endParaRPr lang="fr-FR"/>
           </a:p>
@@ -1196,7 +1196,7 @@
           <a:p>
             <a:fld id="{5D78E834-0D2C-44D5-883E-03BA4DDD9834}" type="datetimeFigureOut">
               <a:rPr lang="fr-FR" smtClean="0"/>
-              <a:t>21/10/2023</a:t>
+              <a:t>06/11/2023</a:t>
             </a:fld>
             <a:endParaRPr lang="fr-FR"/>
           </a:p>
@@ -1394,7 +1394,7 @@
           <a:p>
             <a:fld id="{5D78E834-0D2C-44D5-883E-03BA4DDD9834}" type="datetimeFigureOut">
               <a:rPr lang="fr-FR" smtClean="0"/>
-              <a:t>21/10/2023</a:t>
+              <a:t>06/11/2023</a:t>
             </a:fld>
             <a:endParaRPr lang="fr-FR"/>
           </a:p>
@@ -1669,7 +1669,7 @@
           <a:p>
             <a:fld id="{5D78E834-0D2C-44D5-883E-03BA4DDD9834}" type="datetimeFigureOut">
               <a:rPr lang="fr-FR" smtClean="0"/>
-              <a:t>21/10/2023</a:t>
+              <a:t>06/11/2023</a:t>
             </a:fld>
             <a:endParaRPr lang="fr-FR"/>
           </a:p>
@@ -1934,7 +1934,7 @@
           <a:p>
             <a:fld id="{5D78E834-0D2C-44D5-883E-03BA4DDD9834}" type="datetimeFigureOut">
               <a:rPr lang="fr-FR" smtClean="0"/>
-              <a:t>21/10/2023</a:t>
+              <a:t>06/11/2023</a:t>
             </a:fld>
             <a:endParaRPr lang="fr-FR"/>
           </a:p>
@@ -2346,7 +2346,7 @@
           <a:p>
             <a:fld id="{5D78E834-0D2C-44D5-883E-03BA4DDD9834}" type="datetimeFigureOut">
               <a:rPr lang="fr-FR" smtClean="0"/>
-              <a:t>21/10/2023</a:t>
+              <a:t>06/11/2023</a:t>
             </a:fld>
             <a:endParaRPr lang="fr-FR"/>
           </a:p>
@@ -2487,7 +2487,7 @@
           <a:p>
             <a:fld id="{5D78E834-0D2C-44D5-883E-03BA4DDD9834}" type="datetimeFigureOut">
               <a:rPr lang="fr-FR" smtClean="0"/>
-              <a:t>21/10/2023</a:t>
+              <a:t>06/11/2023</a:t>
             </a:fld>
             <a:endParaRPr lang="fr-FR"/>
           </a:p>
@@ -2600,7 +2600,7 @@
           <a:p>
             <a:fld id="{5D78E834-0D2C-44D5-883E-03BA4DDD9834}" type="datetimeFigureOut">
               <a:rPr lang="fr-FR" smtClean="0"/>
-              <a:t>21/10/2023</a:t>
+              <a:t>06/11/2023</a:t>
             </a:fld>
             <a:endParaRPr lang="fr-FR"/>
           </a:p>
@@ -2911,7 +2911,7 @@
           <a:p>
             <a:fld id="{5D78E834-0D2C-44D5-883E-03BA4DDD9834}" type="datetimeFigureOut">
               <a:rPr lang="fr-FR" smtClean="0"/>
-              <a:t>21/10/2023</a:t>
+              <a:t>06/11/2023</a:t>
             </a:fld>
             <a:endParaRPr lang="fr-FR"/>
           </a:p>
@@ -3199,7 +3199,7 @@
           <a:p>
             <a:fld id="{5D78E834-0D2C-44D5-883E-03BA4DDD9834}" type="datetimeFigureOut">
               <a:rPr lang="fr-FR" smtClean="0"/>
-              <a:t>21/10/2023</a:t>
+              <a:t>06/11/2023</a:t>
             </a:fld>
             <a:endParaRPr lang="fr-FR"/>
           </a:p>
@@ -3440,7 +3440,7 @@
           <a:p>
             <a:fld id="{5D78E834-0D2C-44D5-883E-03BA4DDD9834}" type="datetimeFigureOut">
               <a:rPr lang="fr-FR" smtClean="0"/>
-              <a:t>21/10/2023</a:t>
+              <a:t>06/11/2023</a:t>
             </a:fld>
             <a:endParaRPr lang="fr-FR"/>
           </a:p>
@@ -8536,962 +8536,6 @@
         </p:nvSpPr>
         <p:spPr>
           <a:xfrm>
-            <a:off x="2745698" y="298845"/>
-            <a:ext cx="6700603" cy="6261345"/>
-          </a:xfrm>
-          <a:prstGeom prst="rect">
-            <a:avLst/>
-          </a:prstGeom>
-          <a:noFill/>
-          <a:ln>
-            <a:solidFill>
-              <a:schemeClr val="tx1">
-                <a:lumMod val="95000"/>
-                <a:lumOff val="5000"/>
-              </a:schemeClr>
-            </a:solidFill>
-          </a:ln>
-        </p:spPr>
-        <p:style>
-          <a:lnRef idx="2">
-            <a:schemeClr val="accent1">
-              <a:shade val="50000"/>
-            </a:schemeClr>
-          </a:lnRef>
-          <a:fillRef idx="1">
-            <a:schemeClr val="accent1"/>
-          </a:fillRef>
-          <a:effectRef idx="0">
-            <a:schemeClr val="accent1"/>
-          </a:effectRef>
-          <a:fontRef idx="minor">
-            <a:schemeClr val="lt1"/>
-          </a:fontRef>
-        </p:style>
-        <p:txBody>
-          <a:bodyPr rtlCol="0" anchor="ctr"/>
-          <a:lstStyle/>
-          <a:p>
-            <a:pPr algn="ctr"/>
-            <a:endParaRPr lang="fr-FR"/>
-          </a:p>
-        </p:txBody>
-      </p:sp>
-      <p:sp>
-        <p:nvSpPr>
-          <p:cNvPr id="8" name="Rectangle 7">
-            <a:extLst>
-              <a:ext uri="{FF2B5EF4-FFF2-40B4-BE49-F238E27FC236}">
-                <a16:creationId xmlns:a16="http://schemas.microsoft.com/office/drawing/2014/main" id="{24F324FC-C37E-467A-BFF9-CA0E3C73D178}"/>
-              </a:ext>
-            </a:extLst>
-          </p:cNvPr>
-          <p:cNvSpPr/>
-          <p:nvPr/>
-        </p:nvSpPr>
-        <p:spPr>
-          <a:xfrm>
-            <a:off x="2995534" y="1770554"/>
-            <a:ext cx="2532812" cy="494480"/>
-          </a:xfrm>
-          <a:prstGeom prst="rect">
-            <a:avLst/>
-          </a:prstGeom>
-          <a:solidFill>
-            <a:schemeClr val="bg1">
-              <a:lumMod val="50000"/>
-            </a:schemeClr>
-          </a:solidFill>
-          <a:ln>
-            <a:solidFill>
-              <a:schemeClr val="tx1">
-                <a:lumMod val="95000"/>
-                <a:lumOff val="5000"/>
-              </a:schemeClr>
-            </a:solidFill>
-          </a:ln>
-        </p:spPr>
-        <p:style>
-          <a:lnRef idx="2">
-            <a:schemeClr val="accent1">
-              <a:shade val="50000"/>
-            </a:schemeClr>
-          </a:lnRef>
-          <a:fillRef idx="1">
-            <a:schemeClr val="accent1"/>
-          </a:fillRef>
-          <a:effectRef idx="0">
-            <a:schemeClr val="accent1"/>
-          </a:effectRef>
-          <a:fontRef idx="minor">
-            <a:schemeClr val="lt1"/>
-          </a:fontRef>
-        </p:style>
-        <p:txBody>
-          <a:bodyPr rtlCol="0" anchor="ctr"/>
-          <a:lstStyle/>
-          <a:p>
-            <a:pPr algn="ctr"/>
-            <a:r>
-              <a:rPr lang="fr-FR" dirty="0"/>
-              <a:t>Item</a:t>
-            </a:r>
-          </a:p>
-        </p:txBody>
-      </p:sp>
-      <p:sp>
-        <p:nvSpPr>
-          <p:cNvPr id="9" name="Rectangle 8">
-            <a:extLst>
-              <a:ext uri="{FF2B5EF4-FFF2-40B4-BE49-F238E27FC236}">
-                <a16:creationId xmlns:a16="http://schemas.microsoft.com/office/drawing/2014/main" id="{ADD7B468-7595-4BEF-AF5F-88FC77AF3D29}"/>
-              </a:ext>
-            </a:extLst>
-          </p:cNvPr>
-          <p:cNvSpPr/>
-          <p:nvPr/>
-        </p:nvSpPr>
-        <p:spPr>
-          <a:xfrm>
-            <a:off x="2995534" y="2398213"/>
-            <a:ext cx="2532812" cy="494480"/>
-          </a:xfrm>
-          <a:prstGeom prst="rect">
-            <a:avLst/>
-          </a:prstGeom>
-          <a:solidFill>
-            <a:schemeClr val="bg1">
-              <a:lumMod val="50000"/>
-            </a:schemeClr>
-          </a:solidFill>
-          <a:ln>
-            <a:solidFill>
-              <a:schemeClr val="tx1">
-                <a:lumMod val="95000"/>
-                <a:lumOff val="5000"/>
-              </a:schemeClr>
-            </a:solidFill>
-          </a:ln>
-        </p:spPr>
-        <p:style>
-          <a:lnRef idx="2">
-            <a:schemeClr val="accent1">
-              <a:shade val="50000"/>
-            </a:schemeClr>
-          </a:lnRef>
-          <a:fillRef idx="1">
-            <a:schemeClr val="accent1"/>
-          </a:fillRef>
-          <a:effectRef idx="0">
-            <a:schemeClr val="accent1"/>
-          </a:effectRef>
-          <a:fontRef idx="minor">
-            <a:schemeClr val="lt1"/>
-          </a:fontRef>
-        </p:style>
-        <p:txBody>
-          <a:bodyPr rtlCol="0" anchor="ctr"/>
-          <a:lstStyle/>
-          <a:p>
-            <a:pPr algn="ctr"/>
-            <a:r>
-              <a:rPr lang="fr-FR" dirty="0"/>
-              <a:t>Item</a:t>
-            </a:r>
-          </a:p>
-        </p:txBody>
-      </p:sp>
-      <p:sp>
-        <p:nvSpPr>
-          <p:cNvPr id="10" name="Rectangle 9">
-            <a:extLst>
-              <a:ext uri="{FF2B5EF4-FFF2-40B4-BE49-F238E27FC236}">
-                <a16:creationId xmlns:a16="http://schemas.microsoft.com/office/drawing/2014/main" id="{CB005456-2DF5-42F4-9212-E99AE26E711A}"/>
-              </a:ext>
-            </a:extLst>
-          </p:cNvPr>
-          <p:cNvSpPr/>
-          <p:nvPr/>
-        </p:nvSpPr>
-        <p:spPr>
-          <a:xfrm>
-            <a:off x="4799348" y="5898970"/>
-            <a:ext cx="2593299" cy="494480"/>
-          </a:xfrm>
-          <a:prstGeom prst="rect">
-            <a:avLst/>
-          </a:prstGeom>
-          <a:solidFill>
-            <a:schemeClr val="bg1">
-              <a:lumMod val="50000"/>
-            </a:schemeClr>
-          </a:solidFill>
-          <a:ln>
-            <a:solidFill>
-              <a:schemeClr val="tx1">
-                <a:lumMod val="95000"/>
-                <a:lumOff val="5000"/>
-              </a:schemeClr>
-            </a:solidFill>
-          </a:ln>
-        </p:spPr>
-        <p:style>
-          <a:lnRef idx="2">
-            <a:schemeClr val="accent1">
-              <a:shade val="50000"/>
-            </a:schemeClr>
-          </a:lnRef>
-          <a:fillRef idx="1">
-            <a:schemeClr val="accent1"/>
-          </a:fillRef>
-          <a:effectRef idx="0">
-            <a:schemeClr val="accent1"/>
-          </a:effectRef>
-          <a:fontRef idx="minor">
-            <a:schemeClr val="lt1"/>
-          </a:fontRef>
-        </p:style>
-        <p:txBody>
-          <a:bodyPr rtlCol="0" anchor="ctr"/>
-          <a:lstStyle/>
-          <a:p>
-            <a:pPr algn="ctr"/>
-            <a:r>
-              <a:rPr lang="fr-FR" dirty="0"/>
-              <a:t>Button</a:t>
-            </a:r>
-          </a:p>
-        </p:txBody>
-      </p:sp>
-      <p:sp>
-        <p:nvSpPr>
-          <p:cNvPr id="11" name="Rectangle 10">
-            <a:extLst>
-              <a:ext uri="{FF2B5EF4-FFF2-40B4-BE49-F238E27FC236}">
-                <a16:creationId xmlns:a16="http://schemas.microsoft.com/office/drawing/2014/main" id="{C3EE19EF-B95D-41DA-A630-9B7E94BAA072}"/>
-              </a:ext>
-            </a:extLst>
-          </p:cNvPr>
-          <p:cNvSpPr/>
-          <p:nvPr/>
-        </p:nvSpPr>
-        <p:spPr>
-          <a:xfrm>
-            <a:off x="2995534" y="464550"/>
-            <a:ext cx="6200932" cy="494480"/>
-          </a:xfrm>
-          <a:prstGeom prst="rect">
-            <a:avLst/>
-          </a:prstGeom>
-          <a:solidFill>
-            <a:schemeClr val="bg1">
-              <a:lumMod val="95000"/>
-            </a:schemeClr>
-          </a:solidFill>
-          <a:ln>
-            <a:solidFill>
-              <a:schemeClr val="tx1">
-                <a:lumMod val="95000"/>
-                <a:lumOff val="5000"/>
-              </a:schemeClr>
-            </a:solidFill>
-          </a:ln>
-        </p:spPr>
-        <p:style>
-          <a:lnRef idx="2">
-            <a:schemeClr val="accent1">
-              <a:shade val="50000"/>
-            </a:schemeClr>
-          </a:lnRef>
-          <a:fillRef idx="1">
-            <a:schemeClr val="accent1"/>
-          </a:fillRef>
-          <a:effectRef idx="0">
-            <a:schemeClr val="accent1"/>
-          </a:effectRef>
-          <a:fontRef idx="minor">
-            <a:schemeClr val="lt1"/>
-          </a:fontRef>
-        </p:style>
-        <p:txBody>
-          <a:bodyPr rtlCol="0" anchor="ctr"/>
-          <a:lstStyle/>
-          <a:p>
-            <a:pPr algn="ctr"/>
-            <a:r>
-              <a:rPr lang="fr-FR" dirty="0" err="1">
-                <a:solidFill>
-                  <a:schemeClr val="tx1">
-                    <a:lumMod val="95000"/>
-                    <a:lumOff val="5000"/>
-                  </a:schemeClr>
-                </a:solidFill>
-              </a:rPr>
-              <a:t>Form</a:t>
-            </a:r>
-            <a:endParaRPr lang="fr-FR" dirty="0">
-              <a:solidFill>
-                <a:schemeClr val="tx1">
-                  <a:lumMod val="95000"/>
-                  <a:lumOff val="5000"/>
-                </a:schemeClr>
-              </a:solidFill>
-            </a:endParaRPr>
-          </a:p>
-        </p:txBody>
-      </p:sp>
-      <p:sp>
-        <p:nvSpPr>
-          <p:cNvPr id="5" name="Rectangle 4">
-            <a:extLst>
-              <a:ext uri="{FF2B5EF4-FFF2-40B4-BE49-F238E27FC236}">
-                <a16:creationId xmlns:a16="http://schemas.microsoft.com/office/drawing/2014/main" id="{69975996-7430-0143-8B61-7B1EF35B5B11}"/>
-              </a:ext>
-            </a:extLst>
-          </p:cNvPr>
-          <p:cNvSpPr/>
-          <p:nvPr/>
-        </p:nvSpPr>
-        <p:spPr>
-          <a:xfrm>
-            <a:off x="5528346" y="1770554"/>
-            <a:ext cx="3668120" cy="494480"/>
-          </a:xfrm>
-          <a:prstGeom prst="rect">
-            <a:avLst/>
-          </a:prstGeom>
-          <a:solidFill>
-            <a:schemeClr val="bg1"/>
-          </a:solidFill>
-          <a:ln>
-            <a:solidFill>
-              <a:schemeClr val="tx1">
-                <a:lumMod val="95000"/>
-                <a:lumOff val="5000"/>
-              </a:schemeClr>
-            </a:solidFill>
-          </a:ln>
-        </p:spPr>
-        <p:style>
-          <a:lnRef idx="2">
-            <a:schemeClr val="accent1">
-              <a:shade val="50000"/>
-            </a:schemeClr>
-          </a:lnRef>
-          <a:fillRef idx="1">
-            <a:schemeClr val="accent1"/>
-          </a:fillRef>
-          <a:effectRef idx="0">
-            <a:schemeClr val="accent1"/>
-          </a:effectRef>
-          <a:fontRef idx="minor">
-            <a:schemeClr val="lt1"/>
-          </a:fontRef>
-        </p:style>
-        <p:txBody>
-          <a:bodyPr rtlCol="0" anchor="ctr"/>
-          <a:lstStyle/>
-          <a:p>
-            <a:pPr algn="ctr"/>
-            <a:r>
-              <a:rPr lang="fr-FR" dirty="0"/>
-              <a:t>Nom</a:t>
-            </a:r>
-          </a:p>
-        </p:txBody>
-      </p:sp>
-      <p:sp>
-        <p:nvSpPr>
-          <p:cNvPr id="6" name="Rectangle 5">
-            <a:extLst>
-              <a:ext uri="{FF2B5EF4-FFF2-40B4-BE49-F238E27FC236}">
-                <a16:creationId xmlns:a16="http://schemas.microsoft.com/office/drawing/2014/main" id="{6A21BB22-B939-2C24-BAEC-E59769703740}"/>
-              </a:ext>
-            </a:extLst>
-          </p:cNvPr>
-          <p:cNvSpPr/>
-          <p:nvPr/>
-        </p:nvSpPr>
-        <p:spPr>
-          <a:xfrm>
-            <a:off x="5528346" y="2380154"/>
-            <a:ext cx="3668120" cy="494480"/>
-          </a:xfrm>
-          <a:prstGeom prst="rect">
-            <a:avLst/>
-          </a:prstGeom>
-          <a:solidFill>
-            <a:schemeClr val="bg1"/>
-          </a:solidFill>
-          <a:ln>
-            <a:solidFill>
-              <a:schemeClr val="tx1">
-                <a:lumMod val="95000"/>
-                <a:lumOff val="5000"/>
-              </a:schemeClr>
-            </a:solidFill>
-          </a:ln>
-        </p:spPr>
-        <p:style>
-          <a:lnRef idx="2">
-            <a:schemeClr val="accent1">
-              <a:shade val="50000"/>
-            </a:schemeClr>
-          </a:lnRef>
-          <a:fillRef idx="1">
-            <a:schemeClr val="accent1"/>
-          </a:fillRef>
-          <a:effectRef idx="0">
-            <a:schemeClr val="accent1"/>
-          </a:effectRef>
-          <a:fontRef idx="minor">
-            <a:schemeClr val="lt1"/>
-          </a:fontRef>
-        </p:style>
-        <p:txBody>
-          <a:bodyPr rtlCol="0" anchor="ctr"/>
-          <a:lstStyle/>
-          <a:p>
-            <a:pPr algn="ctr"/>
-            <a:r>
-              <a:rPr lang="fr-FR" dirty="0"/>
-              <a:t>Nom</a:t>
-            </a:r>
-          </a:p>
-        </p:txBody>
-      </p:sp>
-      <p:sp>
-        <p:nvSpPr>
-          <p:cNvPr id="14" name="Rectangle 13">
-            <a:extLst>
-              <a:ext uri="{FF2B5EF4-FFF2-40B4-BE49-F238E27FC236}">
-                <a16:creationId xmlns:a16="http://schemas.microsoft.com/office/drawing/2014/main" id="{C806DFED-AB2F-4609-9B1F-79899B4269FF}"/>
-              </a:ext>
-            </a:extLst>
-          </p:cNvPr>
-          <p:cNvSpPr/>
-          <p:nvPr/>
-        </p:nvSpPr>
-        <p:spPr>
-          <a:xfrm>
-            <a:off x="2995534" y="2973519"/>
-            <a:ext cx="2532812" cy="494480"/>
-          </a:xfrm>
-          <a:prstGeom prst="rect">
-            <a:avLst/>
-          </a:prstGeom>
-          <a:solidFill>
-            <a:schemeClr val="bg1">
-              <a:lumMod val="50000"/>
-            </a:schemeClr>
-          </a:solidFill>
-          <a:ln>
-            <a:solidFill>
-              <a:schemeClr val="tx1">
-                <a:lumMod val="95000"/>
-                <a:lumOff val="5000"/>
-              </a:schemeClr>
-            </a:solidFill>
-          </a:ln>
-        </p:spPr>
-        <p:style>
-          <a:lnRef idx="2">
-            <a:schemeClr val="accent1">
-              <a:shade val="50000"/>
-            </a:schemeClr>
-          </a:lnRef>
-          <a:fillRef idx="1">
-            <a:schemeClr val="accent1"/>
-          </a:fillRef>
-          <a:effectRef idx="0">
-            <a:schemeClr val="accent1"/>
-          </a:effectRef>
-          <a:fontRef idx="minor">
-            <a:schemeClr val="lt1"/>
-          </a:fontRef>
-        </p:style>
-        <p:txBody>
-          <a:bodyPr rtlCol="0" anchor="ctr"/>
-          <a:lstStyle/>
-          <a:p>
-            <a:pPr algn="ctr"/>
-            <a:r>
-              <a:rPr lang="fr-FR" dirty="0"/>
-              <a:t>Item</a:t>
-            </a:r>
-          </a:p>
-        </p:txBody>
-      </p:sp>
-      <p:sp>
-        <p:nvSpPr>
-          <p:cNvPr id="15" name="Rectangle 14">
-            <a:extLst>
-              <a:ext uri="{FF2B5EF4-FFF2-40B4-BE49-F238E27FC236}">
-                <a16:creationId xmlns:a16="http://schemas.microsoft.com/office/drawing/2014/main" id="{6D9ED933-7125-46AB-045F-3358D1456619}"/>
-              </a:ext>
-            </a:extLst>
-          </p:cNvPr>
-          <p:cNvSpPr/>
-          <p:nvPr/>
-        </p:nvSpPr>
-        <p:spPr>
-          <a:xfrm>
-            <a:off x="5528346" y="2955460"/>
-            <a:ext cx="3668120" cy="494480"/>
-          </a:xfrm>
-          <a:prstGeom prst="rect">
-            <a:avLst/>
-          </a:prstGeom>
-          <a:solidFill>
-            <a:schemeClr val="bg1"/>
-          </a:solidFill>
-          <a:ln>
-            <a:solidFill>
-              <a:schemeClr val="tx1">
-                <a:lumMod val="95000"/>
-                <a:lumOff val="5000"/>
-              </a:schemeClr>
-            </a:solidFill>
-          </a:ln>
-        </p:spPr>
-        <p:style>
-          <a:lnRef idx="2">
-            <a:schemeClr val="accent1">
-              <a:shade val="50000"/>
-            </a:schemeClr>
-          </a:lnRef>
-          <a:fillRef idx="1">
-            <a:schemeClr val="accent1"/>
-          </a:fillRef>
-          <a:effectRef idx="0">
-            <a:schemeClr val="accent1"/>
-          </a:effectRef>
-          <a:fontRef idx="minor">
-            <a:schemeClr val="lt1"/>
-          </a:fontRef>
-        </p:style>
-        <p:txBody>
-          <a:bodyPr rtlCol="0" anchor="ctr"/>
-          <a:lstStyle/>
-          <a:p>
-            <a:pPr algn="ctr"/>
-            <a:r>
-              <a:rPr lang="fr-FR" dirty="0"/>
-              <a:t>Nom</a:t>
-            </a:r>
-          </a:p>
-        </p:txBody>
-      </p:sp>
-      <p:sp>
-        <p:nvSpPr>
-          <p:cNvPr id="16" name="Rectangle 15">
-            <a:extLst>
-              <a:ext uri="{FF2B5EF4-FFF2-40B4-BE49-F238E27FC236}">
-                <a16:creationId xmlns:a16="http://schemas.microsoft.com/office/drawing/2014/main" id="{29B5C5EB-81F7-9451-4755-A2B2106D7D45}"/>
-              </a:ext>
-            </a:extLst>
-          </p:cNvPr>
-          <p:cNvSpPr/>
-          <p:nvPr/>
-        </p:nvSpPr>
-        <p:spPr>
-          <a:xfrm>
-            <a:off x="2995534" y="3565900"/>
-            <a:ext cx="2532812" cy="494480"/>
-          </a:xfrm>
-          <a:prstGeom prst="rect">
-            <a:avLst/>
-          </a:prstGeom>
-          <a:solidFill>
-            <a:schemeClr val="bg1">
-              <a:lumMod val="50000"/>
-            </a:schemeClr>
-          </a:solidFill>
-          <a:ln>
-            <a:solidFill>
-              <a:schemeClr val="tx1">
-                <a:lumMod val="95000"/>
-                <a:lumOff val="5000"/>
-              </a:schemeClr>
-            </a:solidFill>
-          </a:ln>
-        </p:spPr>
-        <p:style>
-          <a:lnRef idx="2">
-            <a:schemeClr val="accent1">
-              <a:shade val="50000"/>
-            </a:schemeClr>
-          </a:lnRef>
-          <a:fillRef idx="1">
-            <a:schemeClr val="accent1"/>
-          </a:fillRef>
-          <a:effectRef idx="0">
-            <a:schemeClr val="accent1"/>
-          </a:effectRef>
-          <a:fontRef idx="minor">
-            <a:schemeClr val="lt1"/>
-          </a:fontRef>
-        </p:style>
-        <p:txBody>
-          <a:bodyPr rtlCol="0" anchor="ctr"/>
-          <a:lstStyle/>
-          <a:p>
-            <a:pPr algn="ctr"/>
-            <a:r>
-              <a:rPr lang="fr-FR" dirty="0"/>
-              <a:t>Item</a:t>
-            </a:r>
-          </a:p>
-        </p:txBody>
-      </p:sp>
-      <p:sp>
-        <p:nvSpPr>
-          <p:cNvPr id="17" name="Rectangle 16">
-            <a:extLst>
-              <a:ext uri="{FF2B5EF4-FFF2-40B4-BE49-F238E27FC236}">
-                <a16:creationId xmlns:a16="http://schemas.microsoft.com/office/drawing/2014/main" id="{18B314F3-03A8-2FA3-EA16-720D438B8EF4}"/>
-              </a:ext>
-            </a:extLst>
-          </p:cNvPr>
-          <p:cNvSpPr/>
-          <p:nvPr/>
-        </p:nvSpPr>
-        <p:spPr>
-          <a:xfrm>
-            <a:off x="5528346" y="3547841"/>
-            <a:ext cx="3668120" cy="494480"/>
-          </a:xfrm>
-          <a:prstGeom prst="rect">
-            <a:avLst/>
-          </a:prstGeom>
-          <a:solidFill>
-            <a:schemeClr val="bg1"/>
-          </a:solidFill>
-          <a:ln>
-            <a:solidFill>
-              <a:schemeClr val="tx1">
-                <a:lumMod val="95000"/>
-                <a:lumOff val="5000"/>
-              </a:schemeClr>
-            </a:solidFill>
-          </a:ln>
-        </p:spPr>
-        <p:style>
-          <a:lnRef idx="2">
-            <a:schemeClr val="accent1">
-              <a:shade val="50000"/>
-            </a:schemeClr>
-          </a:lnRef>
-          <a:fillRef idx="1">
-            <a:schemeClr val="accent1"/>
-          </a:fillRef>
-          <a:effectRef idx="0">
-            <a:schemeClr val="accent1"/>
-          </a:effectRef>
-          <a:fontRef idx="minor">
-            <a:schemeClr val="lt1"/>
-          </a:fontRef>
-        </p:style>
-        <p:txBody>
-          <a:bodyPr rtlCol="0" anchor="ctr"/>
-          <a:lstStyle/>
-          <a:p>
-            <a:pPr algn="ctr"/>
-            <a:r>
-              <a:rPr lang="fr-FR" dirty="0"/>
-              <a:t>Nom</a:t>
-            </a:r>
-          </a:p>
-        </p:txBody>
-      </p:sp>
-      <p:sp>
-        <p:nvSpPr>
-          <p:cNvPr id="18" name="Rectangle 17">
-            <a:extLst>
-              <a:ext uri="{FF2B5EF4-FFF2-40B4-BE49-F238E27FC236}">
-                <a16:creationId xmlns:a16="http://schemas.microsoft.com/office/drawing/2014/main" id="{1745BE07-1779-B494-9B58-14B9D62D5B33}"/>
-              </a:ext>
-            </a:extLst>
-          </p:cNvPr>
-          <p:cNvSpPr/>
-          <p:nvPr/>
-        </p:nvSpPr>
-        <p:spPr>
-          <a:xfrm>
-            <a:off x="2995534" y="4158281"/>
-            <a:ext cx="2532812" cy="494480"/>
-          </a:xfrm>
-          <a:prstGeom prst="rect">
-            <a:avLst/>
-          </a:prstGeom>
-          <a:solidFill>
-            <a:schemeClr val="bg1">
-              <a:lumMod val="50000"/>
-            </a:schemeClr>
-          </a:solidFill>
-          <a:ln>
-            <a:solidFill>
-              <a:schemeClr val="tx1">
-                <a:lumMod val="95000"/>
-                <a:lumOff val="5000"/>
-              </a:schemeClr>
-            </a:solidFill>
-          </a:ln>
-        </p:spPr>
-        <p:style>
-          <a:lnRef idx="2">
-            <a:schemeClr val="accent1">
-              <a:shade val="50000"/>
-            </a:schemeClr>
-          </a:lnRef>
-          <a:fillRef idx="1">
-            <a:schemeClr val="accent1"/>
-          </a:fillRef>
-          <a:effectRef idx="0">
-            <a:schemeClr val="accent1"/>
-          </a:effectRef>
-          <a:fontRef idx="minor">
-            <a:schemeClr val="lt1"/>
-          </a:fontRef>
-        </p:style>
-        <p:txBody>
-          <a:bodyPr rtlCol="0" anchor="ctr"/>
-          <a:lstStyle/>
-          <a:p>
-            <a:pPr algn="ctr"/>
-            <a:r>
-              <a:rPr lang="fr-FR" dirty="0"/>
-              <a:t>Item</a:t>
-            </a:r>
-          </a:p>
-        </p:txBody>
-      </p:sp>
-      <p:sp>
-        <p:nvSpPr>
-          <p:cNvPr id="19" name="Rectangle 18">
-            <a:extLst>
-              <a:ext uri="{FF2B5EF4-FFF2-40B4-BE49-F238E27FC236}">
-                <a16:creationId xmlns:a16="http://schemas.microsoft.com/office/drawing/2014/main" id="{F0B101F4-8629-499A-3454-EFC515B588CC}"/>
-              </a:ext>
-            </a:extLst>
-          </p:cNvPr>
-          <p:cNvSpPr/>
-          <p:nvPr/>
-        </p:nvSpPr>
-        <p:spPr>
-          <a:xfrm>
-            <a:off x="5528346" y="4170945"/>
-            <a:ext cx="3668120" cy="1608676"/>
-          </a:xfrm>
-          <a:prstGeom prst="rect">
-            <a:avLst/>
-          </a:prstGeom>
-          <a:solidFill>
-            <a:schemeClr val="bg1"/>
-          </a:solidFill>
-          <a:ln>
-            <a:solidFill>
-              <a:schemeClr val="tx1">
-                <a:lumMod val="95000"/>
-                <a:lumOff val="5000"/>
-              </a:schemeClr>
-            </a:solidFill>
-          </a:ln>
-        </p:spPr>
-        <p:style>
-          <a:lnRef idx="2">
-            <a:schemeClr val="accent1">
-              <a:shade val="50000"/>
-            </a:schemeClr>
-          </a:lnRef>
-          <a:fillRef idx="1">
-            <a:schemeClr val="accent1"/>
-          </a:fillRef>
-          <a:effectRef idx="0">
-            <a:schemeClr val="accent1"/>
-          </a:effectRef>
-          <a:fontRef idx="minor">
-            <a:schemeClr val="lt1"/>
-          </a:fontRef>
-        </p:style>
-        <p:txBody>
-          <a:bodyPr rtlCol="0" anchor="ctr"/>
-          <a:lstStyle/>
-          <a:p>
-            <a:pPr algn="ctr"/>
-            <a:r>
-              <a:rPr lang="fr-FR" dirty="0"/>
-              <a:t>Nom</a:t>
-            </a:r>
-          </a:p>
-        </p:txBody>
-      </p:sp>
-      <p:sp>
-        <p:nvSpPr>
-          <p:cNvPr id="20" name="Rectangle 19">
-            <a:extLst>
-              <a:ext uri="{FF2B5EF4-FFF2-40B4-BE49-F238E27FC236}">
-                <a16:creationId xmlns:a16="http://schemas.microsoft.com/office/drawing/2014/main" id="{07B107CC-2C17-9718-47C6-C5F61870C0DF}"/>
-              </a:ext>
-            </a:extLst>
-          </p:cNvPr>
-          <p:cNvSpPr/>
-          <p:nvPr/>
-        </p:nvSpPr>
-        <p:spPr>
-          <a:xfrm>
-            <a:off x="2995534" y="1142895"/>
-            <a:ext cx="2532812" cy="494480"/>
-          </a:xfrm>
-          <a:prstGeom prst="rect">
-            <a:avLst/>
-          </a:prstGeom>
-          <a:solidFill>
-            <a:schemeClr val="bg1">
-              <a:lumMod val="50000"/>
-            </a:schemeClr>
-          </a:solidFill>
-          <a:ln>
-            <a:solidFill>
-              <a:schemeClr val="tx1">
-                <a:lumMod val="95000"/>
-                <a:lumOff val="5000"/>
-              </a:schemeClr>
-            </a:solidFill>
-          </a:ln>
-        </p:spPr>
-        <p:style>
-          <a:lnRef idx="2">
-            <a:schemeClr val="accent1">
-              <a:shade val="50000"/>
-            </a:schemeClr>
-          </a:lnRef>
-          <a:fillRef idx="1">
-            <a:schemeClr val="accent1"/>
-          </a:fillRef>
-          <a:effectRef idx="0">
-            <a:schemeClr val="accent1"/>
-          </a:effectRef>
-          <a:fontRef idx="minor">
-            <a:schemeClr val="lt1"/>
-          </a:fontRef>
-        </p:style>
-        <p:txBody>
-          <a:bodyPr rtlCol="0" anchor="ctr"/>
-          <a:lstStyle/>
-          <a:p>
-            <a:pPr algn="ctr"/>
-            <a:r>
-              <a:rPr lang="fr-FR" dirty="0"/>
-              <a:t>Item</a:t>
-            </a:r>
-          </a:p>
-        </p:txBody>
-      </p:sp>
-      <p:sp>
-        <p:nvSpPr>
-          <p:cNvPr id="21" name="Rectangle 20">
-            <a:extLst>
-              <a:ext uri="{FF2B5EF4-FFF2-40B4-BE49-F238E27FC236}">
-                <a16:creationId xmlns:a16="http://schemas.microsoft.com/office/drawing/2014/main" id="{E402F11A-DEB3-9B2E-4898-4DE77D7C5445}"/>
-              </a:ext>
-            </a:extLst>
-          </p:cNvPr>
-          <p:cNvSpPr/>
-          <p:nvPr/>
-        </p:nvSpPr>
-        <p:spPr>
-          <a:xfrm>
-            <a:off x="5528346" y="1142895"/>
-            <a:ext cx="3668120" cy="494480"/>
-          </a:xfrm>
-          <a:prstGeom prst="rect">
-            <a:avLst/>
-          </a:prstGeom>
-          <a:solidFill>
-            <a:schemeClr val="bg1"/>
-          </a:solidFill>
-          <a:ln>
-            <a:solidFill>
-              <a:schemeClr val="tx1">
-                <a:lumMod val="95000"/>
-                <a:lumOff val="5000"/>
-              </a:schemeClr>
-            </a:solidFill>
-          </a:ln>
-        </p:spPr>
-        <p:style>
-          <a:lnRef idx="2">
-            <a:schemeClr val="accent1">
-              <a:shade val="50000"/>
-            </a:schemeClr>
-          </a:lnRef>
-          <a:fillRef idx="1">
-            <a:schemeClr val="accent1"/>
-          </a:fillRef>
-          <a:effectRef idx="0">
-            <a:schemeClr val="accent1"/>
-          </a:effectRef>
-          <a:fontRef idx="minor">
-            <a:schemeClr val="lt1"/>
-          </a:fontRef>
-        </p:style>
-        <p:txBody>
-          <a:bodyPr rtlCol="0" anchor="ctr"/>
-          <a:lstStyle/>
-          <a:p>
-            <a:pPr algn="ctr"/>
-            <a:r>
-              <a:rPr lang="fr-FR" dirty="0"/>
-              <a:t>Nom</a:t>
-            </a:r>
-          </a:p>
-        </p:txBody>
-      </p:sp>
-    </p:spTree>
-    <p:extLst>
-      <p:ext uri="{BB962C8B-B14F-4D97-AF65-F5344CB8AC3E}">
-        <p14:creationId xmlns:p14="http://schemas.microsoft.com/office/powerpoint/2010/main" val="3612715377"/>
-      </p:ext>
-    </p:extLst>
-  </p:cSld>
-  <p:clrMapOvr>
-    <a:masterClrMapping/>
-  </p:clrMapOvr>
-</p:sld>
-</file>
-
-<file path=ppt/slides/slide6.xml><?xml version="1.0" encoding="utf-8"?>
-<p:sld xmlns:a="http://schemas.openxmlformats.org/drawingml/2006/main" xmlns:r="http://schemas.openxmlformats.org/officeDocument/2006/relationships" xmlns:p="http://schemas.openxmlformats.org/presentationml/2006/main">
-  <p:cSld>
-    <p:spTree>
-      <p:nvGrpSpPr>
-        <p:cNvPr id="1" name=""/>
-        <p:cNvGrpSpPr/>
-        <p:nvPr/>
-      </p:nvGrpSpPr>
-      <p:grpSpPr>
-        <a:xfrm>
-          <a:off x="0" y="0"/>
-          <a:ext cx="0" cy="0"/>
-          <a:chOff x="0" y="0"/>
-          <a:chExt cx="0" cy="0"/>
-        </a:xfrm>
-      </p:grpSpPr>
-      <p:sp>
-        <p:nvSpPr>
-          <p:cNvPr id="7" name="Rectangle 6">
-            <a:extLst>
-              <a:ext uri="{FF2B5EF4-FFF2-40B4-BE49-F238E27FC236}">
-                <a16:creationId xmlns:a16="http://schemas.microsoft.com/office/drawing/2014/main" id="{8CA717CA-55EA-45D0-B44F-C0A677319E14}"/>
-              </a:ext>
-            </a:extLst>
-          </p:cNvPr>
-          <p:cNvSpPr/>
-          <p:nvPr/>
-        </p:nvSpPr>
-        <p:spPr>
-          <a:xfrm>
             <a:off x="2745698" y="1216404"/>
             <a:ext cx="6700603" cy="4697835"/>
           </a:xfrm>
@@ -10117,7 +9161,7 @@
 </p:sld>
 </file>
 
-<file path=ppt/slides/slide7.xml><?xml version="1.0" encoding="utf-8"?>
+<file path=ppt/slides/slide6.xml><?xml version="1.0" encoding="utf-8"?>
 <p:sld xmlns:a="http://schemas.openxmlformats.org/drawingml/2006/main" xmlns:r="http://schemas.openxmlformats.org/officeDocument/2006/relationships" xmlns:p="http://schemas.openxmlformats.org/presentationml/2006/main">
   <p:cSld>
     <p:spTree>
@@ -11268,6 +10312,962 @@
 </p:sld>
 </file>
 
+<file path=ppt/slides/slide7.xml><?xml version="1.0" encoding="utf-8"?>
+<p:sld xmlns:a="http://schemas.openxmlformats.org/drawingml/2006/main" xmlns:r="http://schemas.openxmlformats.org/officeDocument/2006/relationships" xmlns:p="http://schemas.openxmlformats.org/presentationml/2006/main">
+  <p:cSld>
+    <p:spTree>
+      <p:nvGrpSpPr>
+        <p:cNvPr id="1" name=""/>
+        <p:cNvGrpSpPr/>
+        <p:nvPr/>
+      </p:nvGrpSpPr>
+      <p:grpSpPr>
+        <a:xfrm>
+          <a:off x="0" y="0"/>
+          <a:ext cx="0" cy="0"/>
+          <a:chOff x="0" y="0"/>
+          <a:chExt cx="0" cy="0"/>
+        </a:xfrm>
+      </p:grpSpPr>
+      <p:sp>
+        <p:nvSpPr>
+          <p:cNvPr id="7" name="Rectangle 6">
+            <a:extLst>
+              <a:ext uri="{FF2B5EF4-FFF2-40B4-BE49-F238E27FC236}">
+                <a16:creationId xmlns:a16="http://schemas.microsoft.com/office/drawing/2014/main" id="{8CA717CA-55EA-45D0-B44F-C0A677319E14}"/>
+              </a:ext>
+            </a:extLst>
+          </p:cNvPr>
+          <p:cNvSpPr/>
+          <p:nvPr/>
+        </p:nvSpPr>
+        <p:spPr>
+          <a:xfrm>
+            <a:off x="2745698" y="298845"/>
+            <a:ext cx="6700603" cy="6261345"/>
+          </a:xfrm>
+          <a:prstGeom prst="rect">
+            <a:avLst/>
+          </a:prstGeom>
+          <a:noFill/>
+          <a:ln>
+            <a:solidFill>
+              <a:schemeClr val="tx1">
+                <a:lumMod val="95000"/>
+                <a:lumOff val="5000"/>
+              </a:schemeClr>
+            </a:solidFill>
+          </a:ln>
+        </p:spPr>
+        <p:style>
+          <a:lnRef idx="2">
+            <a:schemeClr val="accent1">
+              <a:shade val="50000"/>
+            </a:schemeClr>
+          </a:lnRef>
+          <a:fillRef idx="1">
+            <a:schemeClr val="accent1"/>
+          </a:fillRef>
+          <a:effectRef idx="0">
+            <a:schemeClr val="accent1"/>
+          </a:effectRef>
+          <a:fontRef idx="minor">
+            <a:schemeClr val="lt1"/>
+          </a:fontRef>
+        </p:style>
+        <p:txBody>
+          <a:bodyPr rtlCol="0" anchor="ctr"/>
+          <a:lstStyle/>
+          <a:p>
+            <a:pPr algn="ctr"/>
+            <a:endParaRPr lang="fr-FR"/>
+          </a:p>
+        </p:txBody>
+      </p:sp>
+      <p:sp>
+        <p:nvSpPr>
+          <p:cNvPr id="8" name="Rectangle 7">
+            <a:extLst>
+              <a:ext uri="{FF2B5EF4-FFF2-40B4-BE49-F238E27FC236}">
+                <a16:creationId xmlns:a16="http://schemas.microsoft.com/office/drawing/2014/main" id="{24F324FC-C37E-467A-BFF9-CA0E3C73D178}"/>
+              </a:ext>
+            </a:extLst>
+          </p:cNvPr>
+          <p:cNvSpPr/>
+          <p:nvPr/>
+        </p:nvSpPr>
+        <p:spPr>
+          <a:xfrm>
+            <a:off x="2995534" y="1770554"/>
+            <a:ext cx="2532812" cy="494480"/>
+          </a:xfrm>
+          <a:prstGeom prst="rect">
+            <a:avLst/>
+          </a:prstGeom>
+          <a:solidFill>
+            <a:schemeClr val="bg1">
+              <a:lumMod val="50000"/>
+            </a:schemeClr>
+          </a:solidFill>
+          <a:ln>
+            <a:solidFill>
+              <a:schemeClr val="tx1">
+                <a:lumMod val="95000"/>
+                <a:lumOff val="5000"/>
+              </a:schemeClr>
+            </a:solidFill>
+          </a:ln>
+        </p:spPr>
+        <p:style>
+          <a:lnRef idx="2">
+            <a:schemeClr val="accent1">
+              <a:shade val="50000"/>
+            </a:schemeClr>
+          </a:lnRef>
+          <a:fillRef idx="1">
+            <a:schemeClr val="accent1"/>
+          </a:fillRef>
+          <a:effectRef idx="0">
+            <a:schemeClr val="accent1"/>
+          </a:effectRef>
+          <a:fontRef idx="minor">
+            <a:schemeClr val="lt1"/>
+          </a:fontRef>
+        </p:style>
+        <p:txBody>
+          <a:bodyPr rtlCol="0" anchor="ctr"/>
+          <a:lstStyle/>
+          <a:p>
+            <a:pPr algn="ctr"/>
+            <a:r>
+              <a:rPr lang="fr-FR" dirty="0"/>
+              <a:t>Item</a:t>
+            </a:r>
+          </a:p>
+        </p:txBody>
+      </p:sp>
+      <p:sp>
+        <p:nvSpPr>
+          <p:cNvPr id="9" name="Rectangle 8">
+            <a:extLst>
+              <a:ext uri="{FF2B5EF4-FFF2-40B4-BE49-F238E27FC236}">
+                <a16:creationId xmlns:a16="http://schemas.microsoft.com/office/drawing/2014/main" id="{ADD7B468-7595-4BEF-AF5F-88FC77AF3D29}"/>
+              </a:ext>
+            </a:extLst>
+          </p:cNvPr>
+          <p:cNvSpPr/>
+          <p:nvPr/>
+        </p:nvSpPr>
+        <p:spPr>
+          <a:xfrm>
+            <a:off x="2995534" y="2398213"/>
+            <a:ext cx="2532812" cy="494480"/>
+          </a:xfrm>
+          <a:prstGeom prst="rect">
+            <a:avLst/>
+          </a:prstGeom>
+          <a:solidFill>
+            <a:schemeClr val="bg1">
+              <a:lumMod val="50000"/>
+            </a:schemeClr>
+          </a:solidFill>
+          <a:ln>
+            <a:solidFill>
+              <a:schemeClr val="tx1">
+                <a:lumMod val="95000"/>
+                <a:lumOff val="5000"/>
+              </a:schemeClr>
+            </a:solidFill>
+          </a:ln>
+        </p:spPr>
+        <p:style>
+          <a:lnRef idx="2">
+            <a:schemeClr val="accent1">
+              <a:shade val="50000"/>
+            </a:schemeClr>
+          </a:lnRef>
+          <a:fillRef idx="1">
+            <a:schemeClr val="accent1"/>
+          </a:fillRef>
+          <a:effectRef idx="0">
+            <a:schemeClr val="accent1"/>
+          </a:effectRef>
+          <a:fontRef idx="minor">
+            <a:schemeClr val="lt1"/>
+          </a:fontRef>
+        </p:style>
+        <p:txBody>
+          <a:bodyPr rtlCol="0" anchor="ctr"/>
+          <a:lstStyle/>
+          <a:p>
+            <a:pPr algn="ctr"/>
+            <a:r>
+              <a:rPr lang="fr-FR" dirty="0"/>
+              <a:t>Item</a:t>
+            </a:r>
+          </a:p>
+        </p:txBody>
+      </p:sp>
+      <p:sp>
+        <p:nvSpPr>
+          <p:cNvPr id="10" name="Rectangle 9">
+            <a:extLst>
+              <a:ext uri="{FF2B5EF4-FFF2-40B4-BE49-F238E27FC236}">
+                <a16:creationId xmlns:a16="http://schemas.microsoft.com/office/drawing/2014/main" id="{CB005456-2DF5-42F4-9212-E99AE26E711A}"/>
+              </a:ext>
+            </a:extLst>
+          </p:cNvPr>
+          <p:cNvSpPr/>
+          <p:nvPr/>
+        </p:nvSpPr>
+        <p:spPr>
+          <a:xfrm>
+            <a:off x="4799348" y="5898970"/>
+            <a:ext cx="2593299" cy="494480"/>
+          </a:xfrm>
+          <a:prstGeom prst="rect">
+            <a:avLst/>
+          </a:prstGeom>
+          <a:solidFill>
+            <a:schemeClr val="bg1">
+              <a:lumMod val="50000"/>
+            </a:schemeClr>
+          </a:solidFill>
+          <a:ln>
+            <a:solidFill>
+              <a:schemeClr val="tx1">
+                <a:lumMod val="95000"/>
+                <a:lumOff val="5000"/>
+              </a:schemeClr>
+            </a:solidFill>
+          </a:ln>
+        </p:spPr>
+        <p:style>
+          <a:lnRef idx="2">
+            <a:schemeClr val="accent1">
+              <a:shade val="50000"/>
+            </a:schemeClr>
+          </a:lnRef>
+          <a:fillRef idx="1">
+            <a:schemeClr val="accent1"/>
+          </a:fillRef>
+          <a:effectRef idx="0">
+            <a:schemeClr val="accent1"/>
+          </a:effectRef>
+          <a:fontRef idx="minor">
+            <a:schemeClr val="lt1"/>
+          </a:fontRef>
+        </p:style>
+        <p:txBody>
+          <a:bodyPr rtlCol="0" anchor="ctr"/>
+          <a:lstStyle/>
+          <a:p>
+            <a:pPr algn="ctr"/>
+            <a:r>
+              <a:rPr lang="fr-FR" dirty="0"/>
+              <a:t>Button</a:t>
+            </a:r>
+          </a:p>
+        </p:txBody>
+      </p:sp>
+      <p:sp>
+        <p:nvSpPr>
+          <p:cNvPr id="11" name="Rectangle 10">
+            <a:extLst>
+              <a:ext uri="{FF2B5EF4-FFF2-40B4-BE49-F238E27FC236}">
+                <a16:creationId xmlns:a16="http://schemas.microsoft.com/office/drawing/2014/main" id="{C3EE19EF-B95D-41DA-A630-9B7E94BAA072}"/>
+              </a:ext>
+            </a:extLst>
+          </p:cNvPr>
+          <p:cNvSpPr/>
+          <p:nvPr/>
+        </p:nvSpPr>
+        <p:spPr>
+          <a:xfrm>
+            <a:off x="2995534" y="464550"/>
+            <a:ext cx="6200932" cy="494480"/>
+          </a:xfrm>
+          <a:prstGeom prst="rect">
+            <a:avLst/>
+          </a:prstGeom>
+          <a:solidFill>
+            <a:schemeClr val="bg1">
+              <a:lumMod val="95000"/>
+            </a:schemeClr>
+          </a:solidFill>
+          <a:ln>
+            <a:solidFill>
+              <a:schemeClr val="tx1">
+                <a:lumMod val="95000"/>
+                <a:lumOff val="5000"/>
+              </a:schemeClr>
+            </a:solidFill>
+          </a:ln>
+        </p:spPr>
+        <p:style>
+          <a:lnRef idx="2">
+            <a:schemeClr val="accent1">
+              <a:shade val="50000"/>
+            </a:schemeClr>
+          </a:lnRef>
+          <a:fillRef idx="1">
+            <a:schemeClr val="accent1"/>
+          </a:fillRef>
+          <a:effectRef idx="0">
+            <a:schemeClr val="accent1"/>
+          </a:effectRef>
+          <a:fontRef idx="minor">
+            <a:schemeClr val="lt1"/>
+          </a:fontRef>
+        </p:style>
+        <p:txBody>
+          <a:bodyPr rtlCol="0" anchor="ctr"/>
+          <a:lstStyle/>
+          <a:p>
+            <a:pPr algn="ctr"/>
+            <a:r>
+              <a:rPr lang="fr-FR" dirty="0" err="1">
+                <a:solidFill>
+                  <a:schemeClr val="tx1">
+                    <a:lumMod val="95000"/>
+                    <a:lumOff val="5000"/>
+                  </a:schemeClr>
+                </a:solidFill>
+              </a:rPr>
+              <a:t>Form</a:t>
+            </a:r>
+            <a:endParaRPr lang="fr-FR" dirty="0">
+              <a:solidFill>
+                <a:schemeClr val="tx1">
+                  <a:lumMod val="95000"/>
+                  <a:lumOff val="5000"/>
+                </a:schemeClr>
+              </a:solidFill>
+            </a:endParaRPr>
+          </a:p>
+        </p:txBody>
+      </p:sp>
+      <p:sp>
+        <p:nvSpPr>
+          <p:cNvPr id="5" name="Rectangle 4">
+            <a:extLst>
+              <a:ext uri="{FF2B5EF4-FFF2-40B4-BE49-F238E27FC236}">
+                <a16:creationId xmlns:a16="http://schemas.microsoft.com/office/drawing/2014/main" id="{69975996-7430-0143-8B61-7B1EF35B5B11}"/>
+              </a:ext>
+            </a:extLst>
+          </p:cNvPr>
+          <p:cNvSpPr/>
+          <p:nvPr/>
+        </p:nvSpPr>
+        <p:spPr>
+          <a:xfrm>
+            <a:off x="5528346" y="1770554"/>
+            <a:ext cx="3668120" cy="494480"/>
+          </a:xfrm>
+          <a:prstGeom prst="rect">
+            <a:avLst/>
+          </a:prstGeom>
+          <a:solidFill>
+            <a:schemeClr val="bg1"/>
+          </a:solidFill>
+          <a:ln>
+            <a:solidFill>
+              <a:schemeClr val="tx1">
+                <a:lumMod val="95000"/>
+                <a:lumOff val="5000"/>
+              </a:schemeClr>
+            </a:solidFill>
+          </a:ln>
+        </p:spPr>
+        <p:style>
+          <a:lnRef idx="2">
+            <a:schemeClr val="accent1">
+              <a:shade val="50000"/>
+            </a:schemeClr>
+          </a:lnRef>
+          <a:fillRef idx="1">
+            <a:schemeClr val="accent1"/>
+          </a:fillRef>
+          <a:effectRef idx="0">
+            <a:schemeClr val="accent1"/>
+          </a:effectRef>
+          <a:fontRef idx="minor">
+            <a:schemeClr val="lt1"/>
+          </a:fontRef>
+        </p:style>
+        <p:txBody>
+          <a:bodyPr rtlCol="0" anchor="ctr"/>
+          <a:lstStyle/>
+          <a:p>
+            <a:pPr algn="ctr"/>
+            <a:r>
+              <a:rPr lang="fr-FR" dirty="0"/>
+              <a:t>Nom</a:t>
+            </a:r>
+          </a:p>
+        </p:txBody>
+      </p:sp>
+      <p:sp>
+        <p:nvSpPr>
+          <p:cNvPr id="6" name="Rectangle 5">
+            <a:extLst>
+              <a:ext uri="{FF2B5EF4-FFF2-40B4-BE49-F238E27FC236}">
+                <a16:creationId xmlns:a16="http://schemas.microsoft.com/office/drawing/2014/main" id="{6A21BB22-B939-2C24-BAEC-E59769703740}"/>
+              </a:ext>
+            </a:extLst>
+          </p:cNvPr>
+          <p:cNvSpPr/>
+          <p:nvPr/>
+        </p:nvSpPr>
+        <p:spPr>
+          <a:xfrm>
+            <a:off x="5528346" y="2380154"/>
+            <a:ext cx="3668120" cy="494480"/>
+          </a:xfrm>
+          <a:prstGeom prst="rect">
+            <a:avLst/>
+          </a:prstGeom>
+          <a:solidFill>
+            <a:schemeClr val="bg1"/>
+          </a:solidFill>
+          <a:ln>
+            <a:solidFill>
+              <a:schemeClr val="tx1">
+                <a:lumMod val="95000"/>
+                <a:lumOff val="5000"/>
+              </a:schemeClr>
+            </a:solidFill>
+          </a:ln>
+        </p:spPr>
+        <p:style>
+          <a:lnRef idx="2">
+            <a:schemeClr val="accent1">
+              <a:shade val="50000"/>
+            </a:schemeClr>
+          </a:lnRef>
+          <a:fillRef idx="1">
+            <a:schemeClr val="accent1"/>
+          </a:fillRef>
+          <a:effectRef idx="0">
+            <a:schemeClr val="accent1"/>
+          </a:effectRef>
+          <a:fontRef idx="minor">
+            <a:schemeClr val="lt1"/>
+          </a:fontRef>
+        </p:style>
+        <p:txBody>
+          <a:bodyPr rtlCol="0" anchor="ctr"/>
+          <a:lstStyle/>
+          <a:p>
+            <a:pPr algn="ctr"/>
+            <a:r>
+              <a:rPr lang="fr-FR" dirty="0"/>
+              <a:t>Nom</a:t>
+            </a:r>
+          </a:p>
+        </p:txBody>
+      </p:sp>
+      <p:sp>
+        <p:nvSpPr>
+          <p:cNvPr id="14" name="Rectangle 13">
+            <a:extLst>
+              <a:ext uri="{FF2B5EF4-FFF2-40B4-BE49-F238E27FC236}">
+                <a16:creationId xmlns:a16="http://schemas.microsoft.com/office/drawing/2014/main" id="{C806DFED-AB2F-4609-9B1F-79899B4269FF}"/>
+              </a:ext>
+            </a:extLst>
+          </p:cNvPr>
+          <p:cNvSpPr/>
+          <p:nvPr/>
+        </p:nvSpPr>
+        <p:spPr>
+          <a:xfrm>
+            <a:off x="2995534" y="2973519"/>
+            <a:ext cx="2532812" cy="494480"/>
+          </a:xfrm>
+          <a:prstGeom prst="rect">
+            <a:avLst/>
+          </a:prstGeom>
+          <a:solidFill>
+            <a:schemeClr val="bg1">
+              <a:lumMod val="50000"/>
+            </a:schemeClr>
+          </a:solidFill>
+          <a:ln>
+            <a:solidFill>
+              <a:schemeClr val="tx1">
+                <a:lumMod val="95000"/>
+                <a:lumOff val="5000"/>
+              </a:schemeClr>
+            </a:solidFill>
+          </a:ln>
+        </p:spPr>
+        <p:style>
+          <a:lnRef idx="2">
+            <a:schemeClr val="accent1">
+              <a:shade val="50000"/>
+            </a:schemeClr>
+          </a:lnRef>
+          <a:fillRef idx="1">
+            <a:schemeClr val="accent1"/>
+          </a:fillRef>
+          <a:effectRef idx="0">
+            <a:schemeClr val="accent1"/>
+          </a:effectRef>
+          <a:fontRef idx="minor">
+            <a:schemeClr val="lt1"/>
+          </a:fontRef>
+        </p:style>
+        <p:txBody>
+          <a:bodyPr rtlCol="0" anchor="ctr"/>
+          <a:lstStyle/>
+          <a:p>
+            <a:pPr algn="ctr"/>
+            <a:r>
+              <a:rPr lang="fr-FR" dirty="0"/>
+              <a:t>Item</a:t>
+            </a:r>
+          </a:p>
+        </p:txBody>
+      </p:sp>
+      <p:sp>
+        <p:nvSpPr>
+          <p:cNvPr id="15" name="Rectangle 14">
+            <a:extLst>
+              <a:ext uri="{FF2B5EF4-FFF2-40B4-BE49-F238E27FC236}">
+                <a16:creationId xmlns:a16="http://schemas.microsoft.com/office/drawing/2014/main" id="{6D9ED933-7125-46AB-045F-3358D1456619}"/>
+              </a:ext>
+            </a:extLst>
+          </p:cNvPr>
+          <p:cNvSpPr/>
+          <p:nvPr/>
+        </p:nvSpPr>
+        <p:spPr>
+          <a:xfrm>
+            <a:off x="5528346" y="2955460"/>
+            <a:ext cx="3668120" cy="494480"/>
+          </a:xfrm>
+          <a:prstGeom prst="rect">
+            <a:avLst/>
+          </a:prstGeom>
+          <a:solidFill>
+            <a:schemeClr val="bg1"/>
+          </a:solidFill>
+          <a:ln>
+            <a:solidFill>
+              <a:schemeClr val="tx1">
+                <a:lumMod val="95000"/>
+                <a:lumOff val="5000"/>
+              </a:schemeClr>
+            </a:solidFill>
+          </a:ln>
+        </p:spPr>
+        <p:style>
+          <a:lnRef idx="2">
+            <a:schemeClr val="accent1">
+              <a:shade val="50000"/>
+            </a:schemeClr>
+          </a:lnRef>
+          <a:fillRef idx="1">
+            <a:schemeClr val="accent1"/>
+          </a:fillRef>
+          <a:effectRef idx="0">
+            <a:schemeClr val="accent1"/>
+          </a:effectRef>
+          <a:fontRef idx="minor">
+            <a:schemeClr val="lt1"/>
+          </a:fontRef>
+        </p:style>
+        <p:txBody>
+          <a:bodyPr rtlCol="0" anchor="ctr"/>
+          <a:lstStyle/>
+          <a:p>
+            <a:pPr algn="ctr"/>
+            <a:r>
+              <a:rPr lang="fr-FR" dirty="0"/>
+              <a:t>Nom</a:t>
+            </a:r>
+          </a:p>
+        </p:txBody>
+      </p:sp>
+      <p:sp>
+        <p:nvSpPr>
+          <p:cNvPr id="16" name="Rectangle 15">
+            <a:extLst>
+              <a:ext uri="{FF2B5EF4-FFF2-40B4-BE49-F238E27FC236}">
+                <a16:creationId xmlns:a16="http://schemas.microsoft.com/office/drawing/2014/main" id="{29B5C5EB-81F7-9451-4755-A2B2106D7D45}"/>
+              </a:ext>
+            </a:extLst>
+          </p:cNvPr>
+          <p:cNvSpPr/>
+          <p:nvPr/>
+        </p:nvSpPr>
+        <p:spPr>
+          <a:xfrm>
+            <a:off x="2995534" y="3565900"/>
+            <a:ext cx="2532812" cy="494480"/>
+          </a:xfrm>
+          <a:prstGeom prst="rect">
+            <a:avLst/>
+          </a:prstGeom>
+          <a:solidFill>
+            <a:schemeClr val="bg1">
+              <a:lumMod val="50000"/>
+            </a:schemeClr>
+          </a:solidFill>
+          <a:ln>
+            <a:solidFill>
+              <a:schemeClr val="tx1">
+                <a:lumMod val="95000"/>
+                <a:lumOff val="5000"/>
+              </a:schemeClr>
+            </a:solidFill>
+          </a:ln>
+        </p:spPr>
+        <p:style>
+          <a:lnRef idx="2">
+            <a:schemeClr val="accent1">
+              <a:shade val="50000"/>
+            </a:schemeClr>
+          </a:lnRef>
+          <a:fillRef idx="1">
+            <a:schemeClr val="accent1"/>
+          </a:fillRef>
+          <a:effectRef idx="0">
+            <a:schemeClr val="accent1"/>
+          </a:effectRef>
+          <a:fontRef idx="minor">
+            <a:schemeClr val="lt1"/>
+          </a:fontRef>
+        </p:style>
+        <p:txBody>
+          <a:bodyPr rtlCol="0" anchor="ctr"/>
+          <a:lstStyle/>
+          <a:p>
+            <a:pPr algn="ctr"/>
+            <a:r>
+              <a:rPr lang="fr-FR" dirty="0"/>
+              <a:t>Item</a:t>
+            </a:r>
+          </a:p>
+        </p:txBody>
+      </p:sp>
+      <p:sp>
+        <p:nvSpPr>
+          <p:cNvPr id="17" name="Rectangle 16">
+            <a:extLst>
+              <a:ext uri="{FF2B5EF4-FFF2-40B4-BE49-F238E27FC236}">
+                <a16:creationId xmlns:a16="http://schemas.microsoft.com/office/drawing/2014/main" id="{18B314F3-03A8-2FA3-EA16-720D438B8EF4}"/>
+              </a:ext>
+            </a:extLst>
+          </p:cNvPr>
+          <p:cNvSpPr/>
+          <p:nvPr/>
+        </p:nvSpPr>
+        <p:spPr>
+          <a:xfrm>
+            <a:off x="5528346" y="3547841"/>
+            <a:ext cx="3668120" cy="494480"/>
+          </a:xfrm>
+          <a:prstGeom prst="rect">
+            <a:avLst/>
+          </a:prstGeom>
+          <a:solidFill>
+            <a:schemeClr val="bg1"/>
+          </a:solidFill>
+          <a:ln>
+            <a:solidFill>
+              <a:schemeClr val="tx1">
+                <a:lumMod val="95000"/>
+                <a:lumOff val="5000"/>
+              </a:schemeClr>
+            </a:solidFill>
+          </a:ln>
+        </p:spPr>
+        <p:style>
+          <a:lnRef idx="2">
+            <a:schemeClr val="accent1">
+              <a:shade val="50000"/>
+            </a:schemeClr>
+          </a:lnRef>
+          <a:fillRef idx="1">
+            <a:schemeClr val="accent1"/>
+          </a:fillRef>
+          <a:effectRef idx="0">
+            <a:schemeClr val="accent1"/>
+          </a:effectRef>
+          <a:fontRef idx="minor">
+            <a:schemeClr val="lt1"/>
+          </a:fontRef>
+        </p:style>
+        <p:txBody>
+          <a:bodyPr rtlCol="0" anchor="ctr"/>
+          <a:lstStyle/>
+          <a:p>
+            <a:pPr algn="ctr"/>
+            <a:r>
+              <a:rPr lang="fr-FR" dirty="0"/>
+              <a:t>Nom</a:t>
+            </a:r>
+          </a:p>
+        </p:txBody>
+      </p:sp>
+      <p:sp>
+        <p:nvSpPr>
+          <p:cNvPr id="18" name="Rectangle 17">
+            <a:extLst>
+              <a:ext uri="{FF2B5EF4-FFF2-40B4-BE49-F238E27FC236}">
+                <a16:creationId xmlns:a16="http://schemas.microsoft.com/office/drawing/2014/main" id="{1745BE07-1779-B494-9B58-14B9D62D5B33}"/>
+              </a:ext>
+            </a:extLst>
+          </p:cNvPr>
+          <p:cNvSpPr/>
+          <p:nvPr/>
+        </p:nvSpPr>
+        <p:spPr>
+          <a:xfrm>
+            <a:off x="2995534" y="4158281"/>
+            <a:ext cx="2532812" cy="494480"/>
+          </a:xfrm>
+          <a:prstGeom prst="rect">
+            <a:avLst/>
+          </a:prstGeom>
+          <a:solidFill>
+            <a:schemeClr val="bg1">
+              <a:lumMod val="50000"/>
+            </a:schemeClr>
+          </a:solidFill>
+          <a:ln>
+            <a:solidFill>
+              <a:schemeClr val="tx1">
+                <a:lumMod val="95000"/>
+                <a:lumOff val="5000"/>
+              </a:schemeClr>
+            </a:solidFill>
+          </a:ln>
+        </p:spPr>
+        <p:style>
+          <a:lnRef idx="2">
+            <a:schemeClr val="accent1">
+              <a:shade val="50000"/>
+            </a:schemeClr>
+          </a:lnRef>
+          <a:fillRef idx="1">
+            <a:schemeClr val="accent1"/>
+          </a:fillRef>
+          <a:effectRef idx="0">
+            <a:schemeClr val="accent1"/>
+          </a:effectRef>
+          <a:fontRef idx="minor">
+            <a:schemeClr val="lt1"/>
+          </a:fontRef>
+        </p:style>
+        <p:txBody>
+          <a:bodyPr rtlCol="0" anchor="ctr"/>
+          <a:lstStyle/>
+          <a:p>
+            <a:pPr algn="ctr"/>
+            <a:r>
+              <a:rPr lang="fr-FR" dirty="0"/>
+              <a:t>Item</a:t>
+            </a:r>
+          </a:p>
+        </p:txBody>
+      </p:sp>
+      <p:sp>
+        <p:nvSpPr>
+          <p:cNvPr id="19" name="Rectangle 18">
+            <a:extLst>
+              <a:ext uri="{FF2B5EF4-FFF2-40B4-BE49-F238E27FC236}">
+                <a16:creationId xmlns:a16="http://schemas.microsoft.com/office/drawing/2014/main" id="{F0B101F4-8629-499A-3454-EFC515B588CC}"/>
+              </a:ext>
+            </a:extLst>
+          </p:cNvPr>
+          <p:cNvSpPr/>
+          <p:nvPr/>
+        </p:nvSpPr>
+        <p:spPr>
+          <a:xfrm>
+            <a:off x="5528346" y="4170945"/>
+            <a:ext cx="3668120" cy="1608676"/>
+          </a:xfrm>
+          <a:prstGeom prst="rect">
+            <a:avLst/>
+          </a:prstGeom>
+          <a:solidFill>
+            <a:schemeClr val="bg1"/>
+          </a:solidFill>
+          <a:ln>
+            <a:solidFill>
+              <a:schemeClr val="tx1">
+                <a:lumMod val="95000"/>
+                <a:lumOff val="5000"/>
+              </a:schemeClr>
+            </a:solidFill>
+          </a:ln>
+        </p:spPr>
+        <p:style>
+          <a:lnRef idx="2">
+            <a:schemeClr val="accent1">
+              <a:shade val="50000"/>
+            </a:schemeClr>
+          </a:lnRef>
+          <a:fillRef idx="1">
+            <a:schemeClr val="accent1"/>
+          </a:fillRef>
+          <a:effectRef idx="0">
+            <a:schemeClr val="accent1"/>
+          </a:effectRef>
+          <a:fontRef idx="minor">
+            <a:schemeClr val="lt1"/>
+          </a:fontRef>
+        </p:style>
+        <p:txBody>
+          <a:bodyPr rtlCol="0" anchor="ctr"/>
+          <a:lstStyle/>
+          <a:p>
+            <a:pPr algn="ctr"/>
+            <a:r>
+              <a:rPr lang="fr-FR" dirty="0"/>
+              <a:t>Nom</a:t>
+            </a:r>
+          </a:p>
+        </p:txBody>
+      </p:sp>
+      <p:sp>
+        <p:nvSpPr>
+          <p:cNvPr id="20" name="Rectangle 19">
+            <a:extLst>
+              <a:ext uri="{FF2B5EF4-FFF2-40B4-BE49-F238E27FC236}">
+                <a16:creationId xmlns:a16="http://schemas.microsoft.com/office/drawing/2014/main" id="{07B107CC-2C17-9718-47C6-C5F61870C0DF}"/>
+              </a:ext>
+            </a:extLst>
+          </p:cNvPr>
+          <p:cNvSpPr/>
+          <p:nvPr/>
+        </p:nvSpPr>
+        <p:spPr>
+          <a:xfrm>
+            <a:off x="2995534" y="1142895"/>
+            <a:ext cx="2532812" cy="494480"/>
+          </a:xfrm>
+          <a:prstGeom prst="rect">
+            <a:avLst/>
+          </a:prstGeom>
+          <a:solidFill>
+            <a:schemeClr val="bg1">
+              <a:lumMod val="50000"/>
+            </a:schemeClr>
+          </a:solidFill>
+          <a:ln>
+            <a:solidFill>
+              <a:schemeClr val="tx1">
+                <a:lumMod val="95000"/>
+                <a:lumOff val="5000"/>
+              </a:schemeClr>
+            </a:solidFill>
+          </a:ln>
+        </p:spPr>
+        <p:style>
+          <a:lnRef idx="2">
+            <a:schemeClr val="accent1">
+              <a:shade val="50000"/>
+            </a:schemeClr>
+          </a:lnRef>
+          <a:fillRef idx="1">
+            <a:schemeClr val="accent1"/>
+          </a:fillRef>
+          <a:effectRef idx="0">
+            <a:schemeClr val="accent1"/>
+          </a:effectRef>
+          <a:fontRef idx="minor">
+            <a:schemeClr val="lt1"/>
+          </a:fontRef>
+        </p:style>
+        <p:txBody>
+          <a:bodyPr rtlCol="0" anchor="ctr"/>
+          <a:lstStyle/>
+          <a:p>
+            <a:pPr algn="ctr"/>
+            <a:r>
+              <a:rPr lang="fr-FR" dirty="0"/>
+              <a:t>Item</a:t>
+            </a:r>
+          </a:p>
+        </p:txBody>
+      </p:sp>
+      <p:sp>
+        <p:nvSpPr>
+          <p:cNvPr id="21" name="Rectangle 20">
+            <a:extLst>
+              <a:ext uri="{FF2B5EF4-FFF2-40B4-BE49-F238E27FC236}">
+                <a16:creationId xmlns:a16="http://schemas.microsoft.com/office/drawing/2014/main" id="{E402F11A-DEB3-9B2E-4898-4DE77D7C5445}"/>
+              </a:ext>
+            </a:extLst>
+          </p:cNvPr>
+          <p:cNvSpPr/>
+          <p:nvPr/>
+        </p:nvSpPr>
+        <p:spPr>
+          <a:xfrm>
+            <a:off x="5528346" y="1142895"/>
+            <a:ext cx="3668120" cy="494480"/>
+          </a:xfrm>
+          <a:prstGeom prst="rect">
+            <a:avLst/>
+          </a:prstGeom>
+          <a:solidFill>
+            <a:schemeClr val="bg1"/>
+          </a:solidFill>
+          <a:ln>
+            <a:solidFill>
+              <a:schemeClr val="tx1">
+                <a:lumMod val="95000"/>
+                <a:lumOff val="5000"/>
+              </a:schemeClr>
+            </a:solidFill>
+          </a:ln>
+        </p:spPr>
+        <p:style>
+          <a:lnRef idx="2">
+            <a:schemeClr val="accent1">
+              <a:shade val="50000"/>
+            </a:schemeClr>
+          </a:lnRef>
+          <a:fillRef idx="1">
+            <a:schemeClr val="accent1"/>
+          </a:fillRef>
+          <a:effectRef idx="0">
+            <a:schemeClr val="accent1"/>
+          </a:effectRef>
+          <a:fontRef idx="minor">
+            <a:schemeClr val="lt1"/>
+          </a:fontRef>
+        </p:style>
+        <p:txBody>
+          <a:bodyPr rtlCol="0" anchor="ctr"/>
+          <a:lstStyle/>
+          <a:p>
+            <a:pPr algn="ctr"/>
+            <a:r>
+              <a:rPr lang="fr-FR" dirty="0"/>
+              <a:t>Nom</a:t>
+            </a:r>
+          </a:p>
+        </p:txBody>
+      </p:sp>
+    </p:spTree>
+    <p:extLst>
+      <p:ext uri="{BB962C8B-B14F-4D97-AF65-F5344CB8AC3E}">
+        <p14:creationId xmlns:p14="http://schemas.microsoft.com/office/powerpoint/2010/main" val="3612715377"/>
+      </p:ext>
+    </p:extLst>
+  </p:cSld>
+  <p:clrMapOvr>
+    <a:masterClrMapping/>
+  </p:clrMapOvr>
+</p:sld>
+</file>
+
 <file path=ppt/slides/slide8.xml><?xml version="1.0" encoding="utf-8"?>
 <p:sld xmlns:a="http://schemas.openxmlformats.org/drawingml/2006/main" xmlns:r="http://schemas.openxmlformats.org/officeDocument/2006/relationships" xmlns:p="http://schemas.openxmlformats.org/presentationml/2006/main">
   <p:cSld>

--- a/other/Maquette - Zoning.pptx
+++ b/other/Maquette - Zoning.pptx
@@ -12,9 +12,9 @@
     <p:sldId id="259" r:id="rId3"/>
     <p:sldId id="257" r:id="rId4"/>
     <p:sldId id="267" r:id="rId5"/>
-    <p:sldId id="265" r:id="rId6"/>
-    <p:sldId id="261" r:id="rId7"/>
-    <p:sldId id="260" r:id="rId8"/>
+    <p:sldId id="260" r:id="rId6"/>
+    <p:sldId id="265" r:id="rId7"/>
+    <p:sldId id="261" r:id="rId8"/>
     <p:sldId id="268" r:id="rId9"/>
     <p:sldId id="266" r:id="rId10"/>
   </p:sldIdLst>
@@ -205,7 +205,7 @@
           <a:p>
             <a:fld id="{2EC9B8E1-8737-41A6-8049-8821F6FD00B8}" type="datetimeFigureOut">
               <a:rPr lang="fr-FR" smtClean="0"/>
-              <a:t>06/11/2023</a:t>
+              <a:t>07/11/2023</a:t>
             </a:fld>
             <a:endParaRPr lang="fr-FR"/>
           </a:p>
@@ -790,7 +790,7 @@
           <a:p>
             <a:fld id="{5D78E834-0D2C-44D5-883E-03BA4DDD9834}" type="datetimeFigureOut">
               <a:rPr lang="fr-FR" smtClean="0"/>
-              <a:t>06/11/2023</a:t>
+              <a:t>07/11/2023</a:t>
             </a:fld>
             <a:endParaRPr lang="fr-FR"/>
           </a:p>
@@ -988,7 +988,7 @@
           <a:p>
             <a:fld id="{5D78E834-0D2C-44D5-883E-03BA4DDD9834}" type="datetimeFigureOut">
               <a:rPr lang="fr-FR" smtClean="0"/>
-              <a:t>06/11/2023</a:t>
+              <a:t>07/11/2023</a:t>
             </a:fld>
             <a:endParaRPr lang="fr-FR"/>
           </a:p>
@@ -1196,7 +1196,7 @@
           <a:p>
             <a:fld id="{5D78E834-0D2C-44D5-883E-03BA4DDD9834}" type="datetimeFigureOut">
               <a:rPr lang="fr-FR" smtClean="0"/>
-              <a:t>06/11/2023</a:t>
+              <a:t>07/11/2023</a:t>
             </a:fld>
             <a:endParaRPr lang="fr-FR"/>
           </a:p>
@@ -1394,7 +1394,7 @@
           <a:p>
             <a:fld id="{5D78E834-0D2C-44D5-883E-03BA4DDD9834}" type="datetimeFigureOut">
               <a:rPr lang="fr-FR" smtClean="0"/>
-              <a:t>06/11/2023</a:t>
+              <a:t>07/11/2023</a:t>
             </a:fld>
             <a:endParaRPr lang="fr-FR"/>
           </a:p>
@@ -1669,7 +1669,7 @@
           <a:p>
             <a:fld id="{5D78E834-0D2C-44D5-883E-03BA4DDD9834}" type="datetimeFigureOut">
               <a:rPr lang="fr-FR" smtClean="0"/>
-              <a:t>06/11/2023</a:t>
+              <a:t>07/11/2023</a:t>
             </a:fld>
             <a:endParaRPr lang="fr-FR"/>
           </a:p>
@@ -1934,7 +1934,7 @@
           <a:p>
             <a:fld id="{5D78E834-0D2C-44D5-883E-03BA4DDD9834}" type="datetimeFigureOut">
               <a:rPr lang="fr-FR" smtClean="0"/>
-              <a:t>06/11/2023</a:t>
+              <a:t>07/11/2023</a:t>
             </a:fld>
             <a:endParaRPr lang="fr-FR"/>
           </a:p>
@@ -2346,7 +2346,7 @@
           <a:p>
             <a:fld id="{5D78E834-0D2C-44D5-883E-03BA4DDD9834}" type="datetimeFigureOut">
               <a:rPr lang="fr-FR" smtClean="0"/>
-              <a:t>06/11/2023</a:t>
+              <a:t>07/11/2023</a:t>
             </a:fld>
             <a:endParaRPr lang="fr-FR"/>
           </a:p>
@@ -2487,7 +2487,7 @@
           <a:p>
             <a:fld id="{5D78E834-0D2C-44D5-883E-03BA4DDD9834}" type="datetimeFigureOut">
               <a:rPr lang="fr-FR" smtClean="0"/>
-              <a:t>06/11/2023</a:t>
+              <a:t>07/11/2023</a:t>
             </a:fld>
             <a:endParaRPr lang="fr-FR"/>
           </a:p>
@@ -2600,7 +2600,7 @@
           <a:p>
             <a:fld id="{5D78E834-0D2C-44D5-883E-03BA4DDD9834}" type="datetimeFigureOut">
               <a:rPr lang="fr-FR" smtClean="0"/>
-              <a:t>06/11/2023</a:t>
+              <a:t>07/11/2023</a:t>
             </a:fld>
             <a:endParaRPr lang="fr-FR"/>
           </a:p>
@@ -2911,7 +2911,7 @@
           <a:p>
             <a:fld id="{5D78E834-0D2C-44D5-883E-03BA4DDD9834}" type="datetimeFigureOut">
               <a:rPr lang="fr-FR" smtClean="0"/>
-              <a:t>06/11/2023</a:t>
+              <a:t>07/11/2023</a:t>
             </a:fld>
             <a:endParaRPr lang="fr-FR"/>
           </a:p>
@@ -3199,7 +3199,7 @@
           <a:p>
             <a:fld id="{5D78E834-0D2C-44D5-883E-03BA4DDD9834}" type="datetimeFigureOut">
               <a:rPr lang="fr-FR" smtClean="0"/>
-              <a:t>06/11/2023</a:t>
+              <a:t>07/11/2023</a:t>
             </a:fld>
             <a:endParaRPr lang="fr-FR"/>
           </a:p>
@@ -3440,7 +3440,7 @@
           <a:p>
             <a:fld id="{5D78E834-0D2C-44D5-883E-03BA4DDD9834}" type="datetimeFigureOut">
               <a:rPr lang="fr-FR" smtClean="0"/>
-              <a:t>06/11/2023</a:t>
+              <a:t>07/11/2023</a:t>
             </a:fld>
             <a:endParaRPr lang="fr-FR"/>
           </a:p>
@@ -8536,6 +8536,962 @@
         </p:nvSpPr>
         <p:spPr>
           <a:xfrm>
+            <a:off x="2745698" y="298845"/>
+            <a:ext cx="6700603" cy="6261345"/>
+          </a:xfrm>
+          <a:prstGeom prst="rect">
+            <a:avLst/>
+          </a:prstGeom>
+          <a:noFill/>
+          <a:ln>
+            <a:solidFill>
+              <a:schemeClr val="tx1">
+                <a:lumMod val="95000"/>
+                <a:lumOff val="5000"/>
+              </a:schemeClr>
+            </a:solidFill>
+          </a:ln>
+        </p:spPr>
+        <p:style>
+          <a:lnRef idx="2">
+            <a:schemeClr val="accent1">
+              <a:shade val="50000"/>
+            </a:schemeClr>
+          </a:lnRef>
+          <a:fillRef idx="1">
+            <a:schemeClr val="accent1"/>
+          </a:fillRef>
+          <a:effectRef idx="0">
+            <a:schemeClr val="accent1"/>
+          </a:effectRef>
+          <a:fontRef idx="minor">
+            <a:schemeClr val="lt1"/>
+          </a:fontRef>
+        </p:style>
+        <p:txBody>
+          <a:bodyPr rtlCol="0" anchor="ctr"/>
+          <a:lstStyle/>
+          <a:p>
+            <a:pPr algn="ctr"/>
+            <a:endParaRPr lang="fr-FR"/>
+          </a:p>
+        </p:txBody>
+      </p:sp>
+      <p:sp>
+        <p:nvSpPr>
+          <p:cNvPr id="8" name="Rectangle 7">
+            <a:extLst>
+              <a:ext uri="{FF2B5EF4-FFF2-40B4-BE49-F238E27FC236}">
+                <a16:creationId xmlns:a16="http://schemas.microsoft.com/office/drawing/2014/main" id="{24F324FC-C37E-467A-BFF9-CA0E3C73D178}"/>
+              </a:ext>
+            </a:extLst>
+          </p:cNvPr>
+          <p:cNvSpPr/>
+          <p:nvPr/>
+        </p:nvSpPr>
+        <p:spPr>
+          <a:xfrm>
+            <a:off x="2995534" y="1770554"/>
+            <a:ext cx="2532812" cy="494480"/>
+          </a:xfrm>
+          <a:prstGeom prst="rect">
+            <a:avLst/>
+          </a:prstGeom>
+          <a:solidFill>
+            <a:schemeClr val="bg1">
+              <a:lumMod val="50000"/>
+            </a:schemeClr>
+          </a:solidFill>
+          <a:ln>
+            <a:solidFill>
+              <a:schemeClr val="tx1">
+                <a:lumMod val="95000"/>
+                <a:lumOff val="5000"/>
+              </a:schemeClr>
+            </a:solidFill>
+          </a:ln>
+        </p:spPr>
+        <p:style>
+          <a:lnRef idx="2">
+            <a:schemeClr val="accent1">
+              <a:shade val="50000"/>
+            </a:schemeClr>
+          </a:lnRef>
+          <a:fillRef idx="1">
+            <a:schemeClr val="accent1"/>
+          </a:fillRef>
+          <a:effectRef idx="0">
+            <a:schemeClr val="accent1"/>
+          </a:effectRef>
+          <a:fontRef idx="minor">
+            <a:schemeClr val="lt1"/>
+          </a:fontRef>
+        </p:style>
+        <p:txBody>
+          <a:bodyPr rtlCol="0" anchor="ctr"/>
+          <a:lstStyle/>
+          <a:p>
+            <a:pPr algn="ctr"/>
+            <a:r>
+              <a:rPr lang="fr-FR" dirty="0"/>
+              <a:t>Item</a:t>
+            </a:r>
+          </a:p>
+        </p:txBody>
+      </p:sp>
+      <p:sp>
+        <p:nvSpPr>
+          <p:cNvPr id="9" name="Rectangle 8">
+            <a:extLst>
+              <a:ext uri="{FF2B5EF4-FFF2-40B4-BE49-F238E27FC236}">
+                <a16:creationId xmlns:a16="http://schemas.microsoft.com/office/drawing/2014/main" id="{ADD7B468-7595-4BEF-AF5F-88FC77AF3D29}"/>
+              </a:ext>
+            </a:extLst>
+          </p:cNvPr>
+          <p:cNvSpPr/>
+          <p:nvPr/>
+        </p:nvSpPr>
+        <p:spPr>
+          <a:xfrm>
+            <a:off x="2995534" y="2398213"/>
+            <a:ext cx="2532812" cy="494480"/>
+          </a:xfrm>
+          <a:prstGeom prst="rect">
+            <a:avLst/>
+          </a:prstGeom>
+          <a:solidFill>
+            <a:schemeClr val="bg1">
+              <a:lumMod val="50000"/>
+            </a:schemeClr>
+          </a:solidFill>
+          <a:ln>
+            <a:solidFill>
+              <a:schemeClr val="tx1">
+                <a:lumMod val="95000"/>
+                <a:lumOff val="5000"/>
+              </a:schemeClr>
+            </a:solidFill>
+          </a:ln>
+        </p:spPr>
+        <p:style>
+          <a:lnRef idx="2">
+            <a:schemeClr val="accent1">
+              <a:shade val="50000"/>
+            </a:schemeClr>
+          </a:lnRef>
+          <a:fillRef idx="1">
+            <a:schemeClr val="accent1"/>
+          </a:fillRef>
+          <a:effectRef idx="0">
+            <a:schemeClr val="accent1"/>
+          </a:effectRef>
+          <a:fontRef idx="minor">
+            <a:schemeClr val="lt1"/>
+          </a:fontRef>
+        </p:style>
+        <p:txBody>
+          <a:bodyPr rtlCol="0" anchor="ctr"/>
+          <a:lstStyle/>
+          <a:p>
+            <a:pPr algn="ctr"/>
+            <a:r>
+              <a:rPr lang="fr-FR" dirty="0"/>
+              <a:t>Item</a:t>
+            </a:r>
+          </a:p>
+        </p:txBody>
+      </p:sp>
+      <p:sp>
+        <p:nvSpPr>
+          <p:cNvPr id="10" name="Rectangle 9">
+            <a:extLst>
+              <a:ext uri="{FF2B5EF4-FFF2-40B4-BE49-F238E27FC236}">
+                <a16:creationId xmlns:a16="http://schemas.microsoft.com/office/drawing/2014/main" id="{CB005456-2DF5-42F4-9212-E99AE26E711A}"/>
+              </a:ext>
+            </a:extLst>
+          </p:cNvPr>
+          <p:cNvSpPr/>
+          <p:nvPr/>
+        </p:nvSpPr>
+        <p:spPr>
+          <a:xfrm>
+            <a:off x="4799348" y="5898970"/>
+            <a:ext cx="2593299" cy="494480"/>
+          </a:xfrm>
+          <a:prstGeom prst="rect">
+            <a:avLst/>
+          </a:prstGeom>
+          <a:solidFill>
+            <a:schemeClr val="bg1">
+              <a:lumMod val="50000"/>
+            </a:schemeClr>
+          </a:solidFill>
+          <a:ln>
+            <a:solidFill>
+              <a:schemeClr val="tx1">
+                <a:lumMod val="95000"/>
+                <a:lumOff val="5000"/>
+              </a:schemeClr>
+            </a:solidFill>
+          </a:ln>
+        </p:spPr>
+        <p:style>
+          <a:lnRef idx="2">
+            <a:schemeClr val="accent1">
+              <a:shade val="50000"/>
+            </a:schemeClr>
+          </a:lnRef>
+          <a:fillRef idx="1">
+            <a:schemeClr val="accent1"/>
+          </a:fillRef>
+          <a:effectRef idx="0">
+            <a:schemeClr val="accent1"/>
+          </a:effectRef>
+          <a:fontRef idx="minor">
+            <a:schemeClr val="lt1"/>
+          </a:fontRef>
+        </p:style>
+        <p:txBody>
+          <a:bodyPr rtlCol="0" anchor="ctr"/>
+          <a:lstStyle/>
+          <a:p>
+            <a:pPr algn="ctr"/>
+            <a:r>
+              <a:rPr lang="fr-FR" dirty="0"/>
+              <a:t>Button</a:t>
+            </a:r>
+          </a:p>
+        </p:txBody>
+      </p:sp>
+      <p:sp>
+        <p:nvSpPr>
+          <p:cNvPr id="11" name="Rectangle 10">
+            <a:extLst>
+              <a:ext uri="{FF2B5EF4-FFF2-40B4-BE49-F238E27FC236}">
+                <a16:creationId xmlns:a16="http://schemas.microsoft.com/office/drawing/2014/main" id="{C3EE19EF-B95D-41DA-A630-9B7E94BAA072}"/>
+              </a:ext>
+            </a:extLst>
+          </p:cNvPr>
+          <p:cNvSpPr/>
+          <p:nvPr/>
+        </p:nvSpPr>
+        <p:spPr>
+          <a:xfrm>
+            <a:off x="2995534" y="464550"/>
+            <a:ext cx="6200932" cy="494480"/>
+          </a:xfrm>
+          <a:prstGeom prst="rect">
+            <a:avLst/>
+          </a:prstGeom>
+          <a:solidFill>
+            <a:schemeClr val="bg1">
+              <a:lumMod val="95000"/>
+            </a:schemeClr>
+          </a:solidFill>
+          <a:ln>
+            <a:solidFill>
+              <a:schemeClr val="tx1">
+                <a:lumMod val="95000"/>
+                <a:lumOff val="5000"/>
+              </a:schemeClr>
+            </a:solidFill>
+          </a:ln>
+        </p:spPr>
+        <p:style>
+          <a:lnRef idx="2">
+            <a:schemeClr val="accent1">
+              <a:shade val="50000"/>
+            </a:schemeClr>
+          </a:lnRef>
+          <a:fillRef idx="1">
+            <a:schemeClr val="accent1"/>
+          </a:fillRef>
+          <a:effectRef idx="0">
+            <a:schemeClr val="accent1"/>
+          </a:effectRef>
+          <a:fontRef idx="minor">
+            <a:schemeClr val="lt1"/>
+          </a:fontRef>
+        </p:style>
+        <p:txBody>
+          <a:bodyPr rtlCol="0" anchor="ctr"/>
+          <a:lstStyle/>
+          <a:p>
+            <a:pPr algn="ctr"/>
+            <a:r>
+              <a:rPr lang="fr-FR" dirty="0" err="1">
+                <a:solidFill>
+                  <a:schemeClr val="tx1">
+                    <a:lumMod val="95000"/>
+                    <a:lumOff val="5000"/>
+                  </a:schemeClr>
+                </a:solidFill>
+              </a:rPr>
+              <a:t>Form</a:t>
+            </a:r>
+            <a:endParaRPr lang="fr-FR" dirty="0">
+              <a:solidFill>
+                <a:schemeClr val="tx1">
+                  <a:lumMod val="95000"/>
+                  <a:lumOff val="5000"/>
+                </a:schemeClr>
+              </a:solidFill>
+            </a:endParaRPr>
+          </a:p>
+        </p:txBody>
+      </p:sp>
+      <p:sp>
+        <p:nvSpPr>
+          <p:cNvPr id="5" name="Rectangle 4">
+            <a:extLst>
+              <a:ext uri="{FF2B5EF4-FFF2-40B4-BE49-F238E27FC236}">
+                <a16:creationId xmlns:a16="http://schemas.microsoft.com/office/drawing/2014/main" id="{69975996-7430-0143-8B61-7B1EF35B5B11}"/>
+              </a:ext>
+            </a:extLst>
+          </p:cNvPr>
+          <p:cNvSpPr/>
+          <p:nvPr/>
+        </p:nvSpPr>
+        <p:spPr>
+          <a:xfrm>
+            <a:off x="5528346" y="1770554"/>
+            <a:ext cx="3668120" cy="494480"/>
+          </a:xfrm>
+          <a:prstGeom prst="rect">
+            <a:avLst/>
+          </a:prstGeom>
+          <a:solidFill>
+            <a:schemeClr val="bg1"/>
+          </a:solidFill>
+          <a:ln>
+            <a:solidFill>
+              <a:schemeClr val="tx1">
+                <a:lumMod val="95000"/>
+                <a:lumOff val="5000"/>
+              </a:schemeClr>
+            </a:solidFill>
+          </a:ln>
+        </p:spPr>
+        <p:style>
+          <a:lnRef idx="2">
+            <a:schemeClr val="accent1">
+              <a:shade val="50000"/>
+            </a:schemeClr>
+          </a:lnRef>
+          <a:fillRef idx="1">
+            <a:schemeClr val="accent1"/>
+          </a:fillRef>
+          <a:effectRef idx="0">
+            <a:schemeClr val="accent1"/>
+          </a:effectRef>
+          <a:fontRef idx="minor">
+            <a:schemeClr val="lt1"/>
+          </a:fontRef>
+        </p:style>
+        <p:txBody>
+          <a:bodyPr rtlCol="0" anchor="ctr"/>
+          <a:lstStyle/>
+          <a:p>
+            <a:pPr algn="ctr"/>
+            <a:r>
+              <a:rPr lang="fr-FR" dirty="0"/>
+              <a:t>Nom</a:t>
+            </a:r>
+          </a:p>
+        </p:txBody>
+      </p:sp>
+      <p:sp>
+        <p:nvSpPr>
+          <p:cNvPr id="6" name="Rectangle 5">
+            <a:extLst>
+              <a:ext uri="{FF2B5EF4-FFF2-40B4-BE49-F238E27FC236}">
+                <a16:creationId xmlns:a16="http://schemas.microsoft.com/office/drawing/2014/main" id="{6A21BB22-B939-2C24-BAEC-E59769703740}"/>
+              </a:ext>
+            </a:extLst>
+          </p:cNvPr>
+          <p:cNvSpPr/>
+          <p:nvPr/>
+        </p:nvSpPr>
+        <p:spPr>
+          <a:xfrm>
+            <a:off x="5528346" y="2380154"/>
+            <a:ext cx="3668120" cy="494480"/>
+          </a:xfrm>
+          <a:prstGeom prst="rect">
+            <a:avLst/>
+          </a:prstGeom>
+          <a:solidFill>
+            <a:schemeClr val="bg1"/>
+          </a:solidFill>
+          <a:ln>
+            <a:solidFill>
+              <a:schemeClr val="tx1">
+                <a:lumMod val="95000"/>
+                <a:lumOff val="5000"/>
+              </a:schemeClr>
+            </a:solidFill>
+          </a:ln>
+        </p:spPr>
+        <p:style>
+          <a:lnRef idx="2">
+            <a:schemeClr val="accent1">
+              <a:shade val="50000"/>
+            </a:schemeClr>
+          </a:lnRef>
+          <a:fillRef idx="1">
+            <a:schemeClr val="accent1"/>
+          </a:fillRef>
+          <a:effectRef idx="0">
+            <a:schemeClr val="accent1"/>
+          </a:effectRef>
+          <a:fontRef idx="minor">
+            <a:schemeClr val="lt1"/>
+          </a:fontRef>
+        </p:style>
+        <p:txBody>
+          <a:bodyPr rtlCol="0" anchor="ctr"/>
+          <a:lstStyle/>
+          <a:p>
+            <a:pPr algn="ctr"/>
+            <a:r>
+              <a:rPr lang="fr-FR" dirty="0"/>
+              <a:t>Nom</a:t>
+            </a:r>
+          </a:p>
+        </p:txBody>
+      </p:sp>
+      <p:sp>
+        <p:nvSpPr>
+          <p:cNvPr id="14" name="Rectangle 13">
+            <a:extLst>
+              <a:ext uri="{FF2B5EF4-FFF2-40B4-BE49-F238E27FC236}">
+                <a16:creationId xmlns:a16="http://schemas.microsoft.com/office/drawing/2014/main" id="{C806DFED-AB2F-4609-9B1F-79899B4269FF}"/>
+              </a:ext>
+            </a:extLst>
+          </p:cNvPr>
+          <p:cNvSpPr/>
+          <p:nvPr/>
+        </p:nvSpPr>
+        <p:spPr>
+          <a:xfrm>
+            <a:off x="2995534" y="2973519"/>
+            <a:ext cx="2532812" cy="494480"/>
+          </a:xfrm>
+          <a:prstGeom prst="rect">
+            <a:avLst/>
+          </a:prstGeom>
+          <a:solidFill>
+            <a:schemeClr val="bg1">
+              <a:lumMod val="50000"/>
+            </a:schemeClr>
+          </a:solidFill>
+          <a:ln>
+            <a:solidFill>
+              <a:schemeClr val="tx1">
+                <a:lumMod val="95000"/>
+                <a:lumOff val="5000"/>
+              </a:schemeClr>
+            </a:solidFill>
+          </a:ln>
+        </p:spPr>
+        <p:style>
+          <a:lnRef idx="2">
+            <a:schemeClr val="accent1">
+              <a:shade val="50000"/>
+            </a:schemeClr>
+          </a:lnRef>
+          <a:fillRef idx="1">
+            <a:schemeClr val="accent1"/>
+          </a:fillRef>
+          <a:effectRef idx="0">
+            <a:schemeClr val="accent1"/>
+          </a:effectRef>
+          <a:fontRef idx="minor">
+            <a:schemeClr val="lt1"/>
+          </a:fontRef>
+        </p:style>
+        <p:txBody>
+          <a:bodyPr rtlCol="0" anchor="ctr"/>
+          <a:lstStyle/>
+          <a:p>
+            <a:pPr algn="ctr"/>
+            <a:r>
+              <a:rPr lang="fr-FR" dirty="0"/>
+              <a:t>Item</a:t>
+            </a:r>
+          </a:p>
+        </p:txBody>
+      </p:sp>
+      <p:sp>
+        <p:nvSpPr>
+          <p:cNvPr id="15" name="Rectangle 14">
+            <a:extLst>
+              <a:ext uri="{FF2B5EF4-FFF2-40B4-BE49-F238E27FC236}">
+                <a16:creationId xmlns:a16="http://schemas.microsoft.com/office/drawing/2014/main" id="{6D9ED933-7125-46AB-045F-3358D1456619}"/>
+              </a:ext>
+            </a:extLst>
+          </p:cNvPr>
+          <p:cNvSpPr/>
+          <p:nvPr/>
+        </p:nvSpPr>
+        <p:spPr>
+          <a:xfrm>
+            <a:off x="5528346" y="2955460"/>
+            <a:ext cx="3668120" cy="494480"/>
+          </a:xfrm>
+          <a:prstGeom prst="rect">
+            <a:avLst/>
+          </a:prstGeom>
+          <a:solidFill>
+            <a:schemeClr val="bg1"/>
+          </a:solidFill>
+          <a:ln>
+            <a:solidFill>
+              <a:schemeClr val="tx1">
+                <a:lumMod val="95000"/>
+                <a:lumOff val="5000"/>
+              </a:schemeClr>
+            </a:solidFill>
+          </a:ln>
+        </p:spPr>
+        <p:style>
+          <a:lnRef idx="2">
+            <a:schemeClr val="accent1">
+              <a:shade val="50000"/>
+            </a:schemeClr>
+          </a:lnRef>
+          <a:fillRef idx="1">
+            <a:schemeClr val="accent1"/>
+          </a:fillRef>
+          <a:effectRef idx="0">
+            <a:schemeClr val="accent1"/>
+          </a:effectRef>
+          <a:fontRef idx="minor">
+            <a:schemeClr val="lt1"/>
+          </a:fontRef>
+        </p:style>
+        <p:txBody>
+          <a:bodyPr rtlCol="0" anchor="ctr"/>
+          <a:lstStyle/>
+          <a:p>
+            <a:pPr algn="ctr"/>
+            <a:r>
+              <a:rPr lang="fr-FR" dirty="0"/>
+              <a:t>Nom</a:t>
+            </a:r>
+          </a:p>
+        </p:txBody>
+      </p:sp>
+      <p:sp>
+        <p:nvSpPr>
+          <p:cNvPr id="16" name="Rectangle 15">
+            <a:extLst>
+              <a:ext uri="{FF2B5EF4-FFF2-40B4-BE49-F238E27FC236}">
+                <a16:creationId xmlns:a16="http://schemas.microsoft.com/office/drawing/2014/main" id="{29B5C5EB-81F7-9451-4755-A2B2106D7D45}"/>
+              </a:ext>
+            </a:extLst>
+          </p:cNvPr>
+          <p:cNvSpPr/>
+          <p:nvPr/>
+        </p:nvSpPr>
+        <p:spPr>
+          <a:xfrm>
+            <a:off x="2995534" y="3565900"/>
+            <a:ext cx="2532812" cy="494480"/>
+          </a:xfrm>
+          <a:prstGeom prst="rect">
+            <a:avLst/>
+          </a:prstGeom>
+          <a:solidFill>
+            <a:schemeClr val="bg1">
+              <a:lumMod val="50000"/>
+            </a:schemeClr>
+          </a:solidFill>
+          <a:ln>
+            <a:solidFill>
+              <a:schemeClr val="tx1">
+                <a:lumMod val="95000"/>
+                <a:lumOff val="5000"/>
+              </a:schemeClr>
+            </a:solidFill>
+          </a:ln>
+        </p:spPr>
+        <p:style>
+          <a:lnRef idx="2">
+            <a:schemeClr val="accent1">
+              <a:shade val="50000"/>
+            </a:schemeClr>
+          </a:lnRef>
+          <a:fillRef idx="1">
+            <a:schemeClr val="accent1"/>
+          </a:fillRef>
+          <a:effectRef idx="0">
+            <a:schemeClr val="accent1"/>
+          </a:effectRef>
+          <a:fontRef idx="minor">
+            <a:schemeClr val="lt1"/>
+          </a:fontRef>
+        </p:style>
+        <p:txBody>
+          <a:bodyPr rtlCol="0" anchor="ctr"/>
+          <a:lstStyle/>
+          <a:p>
+            <a:pPr algn="ctr"/>
+            <a:r>
+              <a:rPr lang="fr-FR" dirty="0"/>
+              <a:t>Item</a:t>
+            </a:r>
+          </a:p>
+        </p:txBody>
+      </p:sp>
+      <p:sp>
+        <p:nvSpPr>
+          <p:cNvPr id="17" name="Rectangle 16">
+            <a:extLst>
+              <a:ext uri="{FF2B5EF4-FFF2-40B4-BE49-F238E27FC236}">
+                <a16:creationId xmlns:a16="http://schemas.microsoft.com/office/drawing/2014/main" id="{18B314F3-03A8-2FA3-EA16-720D438B8EF4}"/>
+              </a:ext>
+            </a:extLst>
+          </p:cNvPr>
+          <p:cNvSpPr/>
+          <p:nvPr/>
+        </p:nvSpPr>
+        <p:spPr>
+          <a:xfrm>
+            <a:off x="5528346" y="3547841"/>
+            <a:ext cx="3668120" cy="494480"/>
+          </a:xfrm>
+          <a:prstGeom prst="rect">
+            <a:avLst/>
+          </a:prstGeom>
+          <a:solidFill>
+            <a:schemeClr val="bg1"/>
+          </a:solidFill>
+          <a:ln>
+            <a:solidFill>
+              <a:schemeClr val="tx1">
+                <a:lumMod val="95000"/>
+                <a:lumOff val="5000"/>
+              </a:schemeClr>
+            </a:solidFill>
+          </a:ln>
+        </p:spPr>
+        <p:style>
+          <a:lnRef idx="2">
+            <a:schemeClr val="accent1">
+              <a:shade val="50000"/>
+            </a:schemeClr>
+          </a:lnRef>
+          <a:fillRef idx="1">
+            <a:schemeClr val="accent1"/>
+          </a:fillRef>
+          <a:effectRef idx="0">
+            <a:schemeClr val="accent1"/>
+          </a:effectRef>
+          <a:fontRef idx="minor">
+            <a:schemeClr val="lt1"/>
+          </a:fontRef>
+        </p:style>
+        <p:txBody>
+          <a:bodyPr rtlCol="0" anchor="ctr"/>
+          <a:lstStyle/>
+          <a:p>
+            <a:pPr algn="ctr"/>
+            <a:r>
+              <a:rPr lang="fr-FR" dirty="0"/>
+              <a:t>Nom</a:t>
+            </a:r>
+          </a:p>
+        </p:txBody>
+      </p:sp>
+      <p:sp>
+        <p:nvSpPr>
+          <p:cNvPr id="18" name="Rectangle 17">
+            <a:extLst>
+              <a:ext uri="{FF2B5EF4-FFF2-40B4-BE49-F238E27FC236}">
+                <a16:creationId xmlns:a16="http://schemas.microsoft.com/office/drawing/2014/main" id="{1745BE07-1779-B494-9B58-14B9D62D5B33}"/>
+              </a:ext>
+            </a:extLst>
+          </p:cNvPr>
+          <p:cNvSpPr/>
+          <p:nvPr/>
+        </p:nvSpPr>
+        <p:spPr>
+          <a:xfrm>
+            <a:off x="2995534" y="4158281"/>
+            <a:ext cx="2532812" cy="494480"/>
+          </a:xfrm>
+          <a:prstGeom prst="rect">
+            <a:avLst/>
+          </a:prstGeom>
+          <a:solidFill>
+            <a:schemeClr val="bg1">
+              <a:lumMod val="50000"/>
+            </a:schemeClr>
+          </a:solidFill>
+          <a:ln>
+            <a:solidFill>
+              <a:schemeClr val="tx1">
+                <a:lumMod val="95000"/>
+                <a:lumOff val="5000"/>
+              </a:schemeClr>
+            </a:solidFill>
+          </a:ln>
+        </p:spPr>
+        <p:style>
+          <a:lnRef idx="2">
+            <a:schemeClr val="accent1">
+              <a:shade val="50000"/>
+            </a:schemeClr>
+          </a:lnRef>
+          <a:fillRef idx="1">
+            <a:schemeClr val="accent1"/>
+          </a:fillRef>
+          <a:effectRef idx="0">
+            <a:schemeClr val="accent1"/>
+          </a:effectRef>
+          <a:fontRef idx="minor">
+            <a:schemeClr val="lt1"/>
+          </a:fontRef>
+        </p:style>
+        <p:txBody>
+          <a:bodyPr rtlCol="0" anchor="ctr"/>
+          <a:lstStyle/>
+          <a:p>
+            <a:pPr algn="ctr"/>
+            <a:r>
+              <a:rPr lang="fr-FR" dirty="0"/>
+              <a:t>Item</a:t>
+            </a:r>
+          </a:p>
+        </p:txBody>
+      </p:sp>
+      <p:sp>
+        <p:nvSpPr>
+          <p:cNvPr id="19" name="Rectangle 18">
+            <a:extLst>
+              <a:ext uri="{FF2B5EF4-FFF2-40B4-BE49-F238E27FC236}">
+                <a16:creationId xmlns:a16="http://schemas.microsoft.com/office/drawing/2014/main" id="{F0B101F4-8629-499A-3454-EFC515B588CC}"/>
+              </a:ext>
+            </a:extLst>
+          </p:cNvPr>
+          <p:cNvSpPr/>
+          <p:nvPr/>
+        </p:nvSpPr>
+        <p:spPr>
+          <a:xfrm>
+            <a:off x="5528346" y="4170945"/>
+            <a:ext cx="3668120" cy="1608676"/>
+          </a:xfrm>
+          <a:prstGeom prst="rect">
+            <a:avLst/>
+          </a:prstGeom>
+          <a:solidFill>
+            <a:schemeClr val="bg1"/>
+          </a:solidFill>
+          <a:ln>
+            <a:solidFill>
+              <a:schemeClr val="tx1">
+                <a:lumMod val="95000"/>
+                <a:lumOff val="5000"/>
+              </a:schemeClr>
+            </a:solidFill>
+          </a:ln>
+        </p:spPr>
+        <p:style>
+          <a:lnRef idx="2">
+            <a:schemeClr val="accent1">
+              <a:shade val="50000"/>
+            </a:schemeClr>
+          </a:lnRef>
+          <a:fillRef idx="1">
+            <a:schemeClr val="accent1"/>
+          </a:fillRef>
+          <a:effectRef idx="0">
+            <a:schemeClr val="accent1"/>
+          </a:effectRef>
+          <a:fontRef idx="minor">
+            <a:schemeClr val="lt1"/>
+          </a:fontRef>
+        </p:style>
+        <p:txBody>
+          <a:bodyPr rtlCol="0" anchor="ctr"/>
+          <a:lstStyle/>
+          <a:p>
+            <a:pPr algn="ctr"/>
+            <a:r>
+              <a:rPr lang="fr-FR" dirty="0"/>
+              <a:t>Nom</a:t>
+            </a:r>
+          </a:p>
+        </p:txBody>
+      </p:sp>
+      <p:sp>
+        <p:nvSpPr>
+          <p:cNvPr id="20" name="Rectangle 19">
+            <a:extLst>
+              <a:ext uri="{FF2B5EF4-FFF2-40B4-BE49-F238E27FC236}">
+                <a16:creationId xmlns:a16="http://schemas.microsoft.com/office/drawing/2014/main" id="{07B107CC-2C17-9718-47C6-C5F61870C0DF}"/>
+              </a:ext>
+            </a:extLst>
+          </p:cNvPr>
+          <p:cNvSpPr/>
+          <p:nvPr/>
+        </p:nvSpPr>
+        <p:spPr>
+          <a:xfrm>
+            <a:off x="2995534" y="1142895"/>
+            <a:ext cx="2532812" cy="494480"/>
+          </a:xfrm>
+          <a:prstGeom prst="rect">
+            <a:avLst/>
+          </a:prstGeom>
+          <a:solidFill>
+            <a:schemeClr val="bg1">
+              <a:lumMod val="50000"/>
+            </a:schemeClr>
+          </a:solidFill>
+          <a:ln>
+            <a:solidFill>
+              <a:schemeClr val="tx1">
+                <a:lumMod val="95000"/>
+                <a:lumOff val="5000"/>
+              </a:schemeClr>
+            </a:solidFill>
+          </a:ln>
+        </p:spPr>
+        <p:style>
+          <a:lnRef idx="2">
+            <a:schemeClr val="accent1">
+              <a:shade val="50000"/>
+            </a:schemeClr>
+          </a:lnRef>
+          <a:fillRef idx="1">
+            <a:schemeClr val="accent1"/>
+          </a:fillRef>
+          <a:effectRef idx="0">
+            <a:schemeClr val="accent1"/>
+          </a:effectRef>
+          <a:fontRef idx="minor">
+            <a:schemeClr val="lt1"/>
+          </a:fontRef>
+        </p:style>
+        <p:txBody>
+          <a:bodyPr rtlCol="0" anchor="ctr"/>
+          <a:lstStyle/>
+          <a:p>
+            <a:pPr algn="ctr"/>
+            <a:r>
+              <a:rPr lang="fr-FR" dirty="0"/>
+              <a:t>Item</a:t>
+            </a:r>
+          </a:p>
+        </p:txBody>
+      </p:sp>
+      <p:sp>
+        <p:nvSpPr>
+          <p:cNvPr id="21" name="Rectangle 20">
+            <a:extLst>
+              <a:ext uri="{FF2B5EF4-FFF2-40B4-BE49-F238E27FC236}">
+                <a16:creationId xmlns:a16="http://schemas.microsoft.com/office/drawing/2014/main" id="{E402F11A-DEB3-9B2E-4898-4DE77D7C5445}"/>
+              </a:ext>
+            </a:extLst>
+          </p:cNvPr>
+          <p:cNvSpPr/>
+          <p:nvPr/>
+        </p:nvSpPr>
+        <p:spPr>
+          <a:xfrm>
+            <a:off x="5528346" y="1142895"/>
+            <a:ext cx="3668120" cy="494480"/>
+          </a:xfrm>
+          <a:prstGeom prst="rect">
+            <a:avLst/>
+          </a:prstGeom>
+          <a:solidFill>
+            <a:schemeClr val="bg1"/>
+          </a:solidFill>
+          <a:ln>
+            <a:solidFill>
+              <a:schemeClr val="tx1">
+                <a:lumMod val="95000"/>
+                <a:lumOff val="5000"/>
+              </a:schemeClr>
+            </a:solidFill>
+          </a:ln>
+        </p:spPr>
+        <p:style>
+          <a:lnRef idx="2">
+            <a:schemeClr val="accent1">
+              <a:shade val="50000"/>
+            </a:schemeClr>
+          </a:lnRef>
+          <a:fillRef idx="1">
+            <a:schemeClr val="accent1"/>
+          </a:fillRef>
+          <a:effectRef idx="0">
+            <a:schemeClr val="accent1"/>
+          </a:effectRef>
+          <a:fontRef idx="minor">
+            <a:schemeClr val="lt1"/>
+          </a:fontRef>
+        </p:style>
+        <p:txBody>
+          <a:bodyPr rtlCol="0" anchor="ctr"/>
+          <a:lstStyle/>
+          <a:p>
+            <a:pPr algn="ctr"/>
+            <a:r>
+              <a:rPr lang="fr-FR" dirty="0"/>
+              <a:t>Nom</a:t>
+            </a:r>
+          </a:p>
+        </p:txBody>
+      </p:sp>
+    </p:spTree>
+    <p:extLst>
+      <p:ext uri="{BB962C8B-B14F-4D97-AF65-F5344CB8AC3E}">
+        <p14:creationId xmlns:p14="http://schemas.microsoft.com/office/powerpoint/2010/main" val="3612715377"/>
+      </p:ext>
+    </p:extLst>
+  </p:cSld>
+  <p:clrMapOvr>
+    <a:masterClrMapping/>
+  </p:clrMapOvr>
+</p:sld>
+</file>
+
+<file path=ppt/slides/slide6.xml><?xml version="1.0" encoding="utf-8"?>
+<p:sld xmlns:a="http://schemas.openxmlformats.org/drawingml/2006/main" xmlns:r="http://schemas.openxmlformats.org/officeDocument/2006/relationships" xmlns:p="http://schemas.openxmlformats.org/presentationml/2006/main">
+  <p:cSld>
+    <p:spTree>
+      <p:nvGrpSpPr>
+        <p:cNvPr id="1" name=""/>
+        <p:cNvGrpSpPr/>
+        <p:nvPr/>
+      </p:nvGrpSpPr>
+      <p:grpSpPr>
+        <a:xfrm>
+          <a:off x="0" y="0"/>
+          <a:ext cx="0" cy="0"/>
+          <a:chOff x="0" y="0"/>
+          <a:chExt cx="0" cy="0"/>
+        </a:xfrm>
+      </p:grpSpPr>
+      <p:sp>
+        <p:nvSpPr>
+          <p:cNvPr id="7" name="Rectangle 6">
+            <a:extLst>
+              <a:ext uri="{FF2B5EF4-FFF2-40B4-BE49-F238E27FC236}">
+                <a16:creationId xmlns:a16="http://schemas.microsoft.com/office/drawing/2014/main" id="{8CA717CA-55EA-45D0-B44F-C0A677319E14}"/>
+              </a:ext>
+            </a:extLst>
+          </p:cNvPr>
+          <p:cNvSpPr/>
+          <p:nvPr/>
+        </p:nvSpPr>
+        <p:spPr>
+          <a:xfrm>
             <a:off x="2745698" y="1216404"/>
             <a:ext cx="6700603" cy="4697835"/>
           </a:xfrm>
@@ -9161,7 +10117,7 @@
 </p:sld>
 </file>
 
-<file path=ppt/slides/slide6.xml><?xml version="1.0" encoding="utf-8"?>
+<file path=ppt/slides/slide7.xml><?xml version="1.0" encoding="utf-8"?>
 <p:sld xmlns:a="http://schemas.openxmlformats.org/drawingml/2006/main" xmlns:r="http://schemas.openxmlformats.org/officeDocument/2006/relationships" xmlns:p="http://schemas.openxmlformats.org/presentationml/2006/main">
   <p:cSld>
     <p:spTree>
@@ -10312,962 +11268,6 @@
 </p:sld>
 </file>
 
-<file path=ppt/slides/slide7.xml><?xml version="1.0" encoding="utf-8"?>
-<p:sld xmlns:a="http://schemas.openxmlformats.org/drawingml/2006/main" xmlns:r="http://schemas.openxmlformats.org/officeDocument/2006/relationships" xmlns:p="http://schemas.openxmlformats.org/presentationml/2006/main">
-  <p:cSld>
-    <p:spTree>
-      <p:nvGrpSpPr>
-        <p:cNvPr id="1" name=""/>
-        <p:cNvGrpSpPr/>
-        <p:nvPr/>
-      </p:nvGrpSpPr>
-      <p:grpSpPr>
-        <a:xfrm>
-          <a:off x="0" y="0"/>
-          <a:ext cx="0" cy="0"/>
-          <a:chOff x="0" y="0"/>
-          <a:chExt cx="0" cy="0"/>
-        </a:xfrm>
-      </p:grpSpPr>
-      <p:sp>
-        <p:nvSpPr>
-          <p:cNvPr id="7" name="Rectangle 6">
-            <a:extLst>
-              <a:ext uri="{FF2B5EF4-FFF2-40B4-BE49-F238E27FC236}">
-                <a16:creationId xmlns:a16="http://schemas.microsoft.com/office/drawing/2014/main" id="{8CA717CA-55EA-45D0-B44F-C0A677319E14}"/>
-              </a:ext>
-            </a:extLst>
-          </p:cNvPr>
-          <p:cNvSpPr/>
-          <p:nvPr/>
-        </p:nvSpPr>
-        <p:spPr>
-          <a:xfrm>
-            <a:off x="2745698" y="298845"/>
-            <a:ext cx="6700603" cy="6261345"/>
-          </a:xfrm>
-          <a:prstGeom prst="rect">
-            <a:avLst/>
-          </a:prstGeom>
-          <a:noFill/>
-          <a:ln>
-            <a:solidFill>
-              <a:schemeClr val="tx1">
-                <a:lumMod val="95000"/>
-                <a:lumOff val="5000"/>
-              </a:schemeClr>
-            </a:solidFill>
-          </a:ln>
-        </p:spPr>
-        <p:style>
-          <a:lnRef idx="2">
-            <a:schemeClr val="accent1">
-              <a:shade val="50000"/>
-            </a:schemeClr>
-          </a:lnRef>
-          <a:fillRef idx="1">
-            <a:schemeClr val="accent1"/>
-          </a:fillRef>
-          <a:effectRef idx="0">
-            <a:schemeClr val="accent1"/>
-          </a:effectRef>
-          <a:fontRef idx="minor">
-            <a:schemeClr val="lt1"/>
-          </a:fontRef>
-        </p:style>
-        <p:txBody>
-          <a:bodyPr rtlCol="0" anchor="ctr"/>
-          <a:lstStyle/>
-          <a:p>
-            <a:pPr algn="ctr"/>
-            <a:endParaRPr lang="fr-FR"/>
-          </a:p>
-        </p:txBody>
-      </p:sp>
-      <p:sp>
-        <p:nvSpPr>
-          <p:cNvPr id="8" name="Rectangle 7">
-            <a:extLst>
-              <a:ext uri="{FF2B5EF4-FFF2-40B4-BE49-F238E27FC236}">
-                <a16:creationId xmlns:a16="http://schemas.microsoft.com/office/drawing/2014/main" id="{24F324FC-C37E-467A-BFF9-CA0E3C73D178}"/>
-              </a:ext>
-            </a:extLst>
-          </p:cNvPr>
-          <p:cNvSpPr/>
-          <p:nvPr/>
-        </p:nvSpPr>
-        <p:spPr>
-          <a:xfrm>
-            <a:off x="2995534" y="1770554"/>
-            <a:ext cx="2532812" cy="494480"/>
-          </a:xfrm>
-          <a:prstGeom prst="rect">
-            <a:avLst/>
-          </a:prstGeom>
-          <a:solidFill>
-            <a:schemeClr val="bg1">
-              <a:lumMod val="50000"/>
-            </a:schemeClr>
-          </a:solidFill>
-          <a:ln>
-            <a:solidFill>
-              <a:schemeClr val="tx1">
-                <a:lumMod val="95000"/>
-                <a:lumOff val="5000"/>
-              </a:schemeClr>
-            </a:solidFill>
-          </a:ln>
-        </p:spPr>
-        <p:style>
-          <a:lnRef idx="2">
-            <a:schemeClr val="accent1">
-              <a:shade val="50000"/>
-            </a:schemeClr>
-          </a:lnRef>
-          <a:fillRef idx="1">
-            <a:schemeClr val="accent1"/>
-          </a:fillRef>
-          <a:effectRef idx="0">
-            <a:schemeClr val="accent1"/>
-          </a:effectRef>
-          <a:fontRef idx="minor">
-            <a:schemeClr val="lt1"/>
-          </a:fontRef>
-        </p:style>
-        <p:txBody>
-          <a:bodyPr rtlCol="0" anchor="ctr"/>
-          <a:lstStyle/>
-          <a:p>
-            <a:pPr algn="ctr"/>
-            <a:r>
-              <a:rPr lang="fr-FR" dirty="0"/>
-              <a:t>Item</a:t>
-            </a:r>
-          </a:p>
-        </p:txBody>
-      </p:sp>
-      <p:sp>
-        <p:nvSpPr>
-          <p:cNvPr id="9" name="Rectangle 8">
-            <a:extLst>
-              <a:ext uri="{FF2B5EF4-FFF2-40B4-BE49-F238E27FC236}">
-                <a16:creationId xmlns:a16="http://schemas.microsoft.com/office/drawing/2014/main" id="{ADD7B468-7595-4BEF-AF5F-88FC77AF3D29}"/>
-              </a:ext>
-            </a:extLst>
-          </p:cNvPr>
-          <p:cNvSpPr/>
-          <p:nvPr/>
-        </p:nvSpPr>
-        <p:spPr>
-          <a:xfrm>
-            <a:off x="2995534" y="2398213"/>
-            <a:ext cx="2532812" cy="494480"/>
-          </a:xfrm>
-          <a:prstGeom prst="rect">
-            <a:avLst/>
-          </a:prstGeom>
-          <a:solidFill>
-            <a:schemeClr val="bg1">
-              <a:lumMod val="50000"/>
-            </a:schemeClr>
-          </a:solidFill>
-          <a:ln>
-            <a:solidFill>
-              <a:schemeClr val="tx1">
-                <a:lumMod val="95000"/>
-                <a:lumOff val="5000"/>
-              </a:schemeClr>
-            </a:solidFill>
-          </a:ln>
-        </p:spPr>
-        <p:style>
-          <a:lnRef idx="2">
-            <a:schemeClr val="accent1">
-              <a:shade val="50000"/>
-            </a:schemeClr>
-          </a:lnRef>
-          <a:fillRef idx="1">
-            <a:schemeClr val="accent1"/>
-          </a:fillRef>
-          <a:effectRef idx="0">
-            <a:schemeClr val="accent1"/>
-          </a:effectRef>
-          <a:fontRef idx="minor">
-            <a:schemeClr val="lt1"/>
-          </a:fontRef>
-        </p:style>
-        <p:txBody>
-          <a:bodyPr rtlCol="0" anchor="ctr"/>
-          <a:lstStyle/>
-          <a:p>
-            <a:pPr algn="ctr"/>
-            <a:r>
-              <a:rPr lang="fr-FR" dirty="0"/>
-              <a:t>Item</a:t>
-            </a:r>
-          </a:p>
-        </p:txBody>
-      </p:sp>
-      <p:sp>
-        <p:nvSpPr>
-          <p:cNvPr id="10" name="Rectangle 9">
-            <a:extLst>
-              <a:ext uri="{FF2B5EF4-FFF2-40B4-BE49-F238E27FC236}">
-                <a16:creationId xmlns:a16="http://schemas.microsoft.com/office/drawing/2014/main" id="{CB005456-2DF5-42F4-9212-E99AE26E711A}"/>
-              </a:ext>
-            </a:extLst>
-          </p:cNvPr>
-          <p:cNvSpPr/>
-          <p:nvPr/>
-        </p:nvSpPr>
-        <p:spPr>
-          <a:xfrm>
-            <a:off x="4799348" y="5898970"/>
-            <a:ext cx="2593299" cy="494480"/>
-          </a:xfrm>
-          <a:prstGeom prst="rect">
-            <a:avLst/>
-          </a:prstGeom>
-          <a:solidFill>
-            <a:schemeClr val="bg1">
-              <a:lumMod val="50000"/>
-            </a:schemeClr>
-          </a:solidFill>
-          <a:ln>
-            <a:solidFill>
-              <a:schemeClr val="tx1">
-                <a:lumMod val="95000"/>
-                <a:lumOff val="5000"/>
-              </a:schemeClr>
-            </a:solidFill>
-          </a:ln>
-        </p:spPr>
-        <p:style>
-          <a:lnRef idx="2">
-            <a:schemeClr val="accent1">
-              <a:shade val="50000"/>
-            </a:schemeClr>
-          </a:lnRef>
-          <a:fillRef idx="1">
-            <a:schemeClr val="accent1"/>
-          </a:fillRef>
-          <a:effectRef idx="0">
-            <a:schemeClr val="accent1"/>
-          </a:effectRef>
-          <a:fontRef idx="minor">
-            <a:schemeClr val="lt1"/>
-          </a:fontRef>
-        </p:style>
-        <p:txBody>
-          <a:bodyPr rtlCol="0" anchor="ctr"/>
-          <a:lstStyle/>
-          <a:p>
-            <a:pPr algn="ctr"/>
-            <a:r>
-              <a:rPr lang="fr-FR" dirty="0"/>
-              <a:t>Button</a:t>
-            </a:r>
-          </a:p>
-        </p:txBody>
-      </p:sp>
-      <p:sp>
-        <p:nvSpPr>
-          <p:cNvPr id="11" name="Rectangle 10">
-            <a:extLst>
-              <a:ext uri="{FF2B5EF4-FFF2-40B4-BE49-F238E27FC236}">
-                <a16:creationId xmlns:a16="http://schemas.microsoft.com/office/drawing/2014/main" id="{C3EE19EF-B95D-41DA-A630-9B7E94BAA072}"/>
-              </a:ext>
-            </a:extLst>
-          </p:cNvPr>
-          <p:cNvSpPr/>
-          <p:nvPr/>
-        </p:nvSpPr>
-        <p:spPr>
-          <a:xfrm>
-            <a:off x="2995534" y="464550"/>
-            <a:ext cx="6200932" cy="494480"/>
-          </a:xfrm>
-          <a:prstGeom prst="rect">
-            <a:avLst/>
-          </a:prstGeom>
-          <a:solidFill>
-            <a:schemeClr val="bg1">
-              <a:lumMod val="95000"/>
-            </a:schemeClr>
-          </a:solidFill>
-          <a:ln>
-            <a:solidFill>
-              <a:schemeClr val="tx1">
-                <a:lumMod val="95000"/>
-                <a:lumOff val="5000"/>
-              </a:schemeClr>
-            </a:solidFill>
-          </a:ln>
-        </p:spPr>
-        <p:style>
-          <a:lnRef idx="2">
-            <a:schemeClr val="accent1">
-              <a:shade val="50000"/>
-            </a:schemeClr>
-          </a:lnRef>
-          <a:fillRef idx="1">
-            <a:schemeClr val="accent1"/>
-          </a:fillRef>
-          <a:effectRef idx="0">
-            <a:schemeClr val="accent1"/>
-          </a:effectRef>
-          <a:fontRef idx="minor">
-            <a:schemeClr val="lt1"/>
-          </a:fontRef>
-        </p:style>
-        <p:txBody>
-          <a:bodyPr rtlCol="0" anchor="ctr"/>
-          <a:lstStyle/>
-          <a:p>
-            <a:pPr algn="ctr"/>
-            <a:r>
-              <a:rPr lang="fr-FR" dirty="0" err="1">
-                <a:solidFill>
-                  <a:schemeClr val="tx1">
-                    <a:lumMod val="95000"/>
-                    <a:lumOff val="5000"/>
-                  </a:schemeClr>
-                </a:solidFill>
-              </a:rPr>
-              <a:t>Form</a:t>
-            </a:r>
-            <a:endParaRPr lang="fr-FR" dirty="0">
-              <a:solidFill>
-                <a:schemeClr val="tx1">
-                  <a:lumMod val="95000"/>
-                  <a:lumOff val="5000"/>
-                </a:schemeClr>
-              </a:solidFill>
-            </a:endParaRPr>
-          </a:p>
-        </p:txBody>
-      </p:sp>
-      <p:sp>
-        <p:nvSpPr>
-          <p:cNvPr id="5" name="Rectangle 4">
-            <a:extLst>
-              <a:ext uri="{FF2B5EF4-FFF2-40B4-BE49-F238E27FC236}">
-                <a16:creationId xmlns:a16="http://schemas.microsoft.com/office/drawing/2014/main" id="{69975996-7430-0143-8B61-7B1EF35B5B11}"/>
-              </a:ext>
-            </a:extLst>
-          </p:cNvPr>
-          <p:cNvSpPr/>
-          <p:nvPr/>
-        </p:nvSpPr>
-        <p:spPr>
-          <a:xfrm>
-            <a:off x="5528346" y="1770554"/>
-            <a:ext cx="3668120" cy="494480"/>
-          </a:xfrm>
-          <a:prstGeom prst="rect">
-            <a:avLst/>
-          </a:prstGeom>
-          <a:solidFill>
-            <a:schemeClr val="bg1"/>
-          </a:solidFill>
-          <a:ln>
-            <a:solidFill>
-              <a:schemeClr val="tx1">
-                <a:lumMod val="95000"/>
-                <a:lumOff val="5000"/>
-              </a:schemeClr>
-            </a:solidFill>
-          </a:ln>
-        </p:spPr>
-        <p:style>
-          <a:lnRef idx="2">
-            <a:schemeClr val="accent1">
-              <a:shade val="50000"/>
-            </a:schemeClr>
-          </a:lnRef>
-          <a:fillRef idx="1">
-            <a:schemeClr val="accent1"/>
-          </a:fillRef>
-          <a:effectRef idx="0">
-            <a:schemeClr val="accent1"/>
-          </a:effectRef>
-          <a:fontRef idx="minor">
-            <a:schemeClr val="lt1"/>
-          </a:fontRef>
-        </p:style>
-        <p:txBody>
-          <a:bodyPr rtlCol="0" anchor="ctr"/>
-          <a:lstStyle/>
-          <a:p>
-            <a:pPr algn="ctr"/>
-            <a:r>
-              <a:rPr lang="fr-FR" dirty="0"/>
-              <a:t>Nom</a:t>
-            </a:r>
-          </a:p>
-        </p:txBody>
-      </p:sp>
-      <p:sp>
-        <p:nvSpPr>
-          <p:cNvPr id="6" name="Rectangle 5">
-            <a:extLst>
-              <a:ext uri="{FF2B5EF4-FFF2-40B4-BE49-F238E27FC236}">
-                <a16:creationId xmlns:a16="http://schemas.microsoft.com/office/drawing/2014/main" id="{6A21BB22-B939-2C24-BAEC-E59769703740}"/>
-              </a:ext>
-            </a:extLst>
-          </p:cNvPr>
-          <p:cNvSpPr/>
-          <p:nvPr/>
-        </p:nvSpPr>
-        <p:spPr>
-          <a:xfrm>
-            <a:off x="5528346" y="2380154"/>
-            <a:ext cx="3668120" cy="494480"/>
-          </a:xfrm>
-          <a:prstGeom prst="rect">
-            <a:avLst/>
-          </a:prstGeom>
-          <a:solidFill>
-            <a:schemeClr val="bg1"/>
-          </a:solidFill>
-          <a:ln>
-            <a:solidFill>
-              <a:schemeClr val="tx1">
-                <a:lumMod val="95000"/>
-                <a:lumOff val="5000"/>
-              </a:schemeClr>
-            </a:solidFill>
-          </a:ln>
-        </p:spPr>
-        <p:style>
-          <a:lnRef idx="2">
-            <a:schemeClr val="accent1">
-              <a:shade val="50000"/>
-            </a:schemeClr>
-          </a:lnRef>
-          <a:fillRef idx="1">
-            <a:schemeClr val="accent1"/>
-          </a:fillRef>
-          <a:effectRef idx="0">
-            <a:schemeClr val="accent1"/>
-          </a:effectRef>
-          <a:fontRef idx="minor">
-            <a:schemeClr val="lt1"/>
-          </a:fontRef>
-        </p:style>
-        <p:txBody>
-          <a:bodyPr rtlCol="0" anchor="ctr"/>
-          <a:lstStyle/>
-          <a:p>
-            <a:pPr algn="ctr"/>
-            <a:r>
-              <a:rPr lang="fr-FR" dirty="0"/>
-              <a:t>Nom</a:t>
-            </a:r>
-          </a:p>
-        </p:txBody>
-      </p:sp>
-      <p:sp>
-        <p:nvSpPr>
-          <p:cNvPr id="14" name="Rectangle 13">
-            <a:extLst>
-              <a:ext uri="{FF2B5EF4-FFF2-40B4-BE49-F238E27FC236}">
-                <a16:creationId xmlns:a16="http://schemas.microsoft.com/office/drawing/2014/main" id="{C806DFED-AB2F-4609-9B1F-79899B4269FF}"/>
-              </a:ext>
-            </a:extLst>
-          </p:cNvPr>
-          <p:cNvSpPr/>
-          <p:nvPr/>
-        </p:nvSpPr>
-        <p:spPr>
-          <a:xfrm>
-            <a:off x="2995534" y="2973519"/>
-            <a:ext cx="2532812" cy="494480"/>
-          </a:xfrm>
-          <a:prstGeom prst="rect">
-            <a:avLst/>
-          </a:prstGeom>
-          <a:solidFill>
-            <a:schemeClr val="bg1">
-              <a:lumMod val="50000"/>
-            </a:schemeClr>
-          </a:solidFill>
-          <a:ln>
-            <a:solidFill>
-              <a:schemeClr val="tx1">
-                <a:lumMod val="95000"/>
-                <a:lumOff val="5000"/>
-              </a:schemeClr>
-            </a:solidFill>
-          </a:ln>
-        </p:spPr>
-        <p:style>
-          <a:lnRef idx="2">
-            <a:schemeClr val="accent1">
-              <a:shade val="50000"/>
-            </a:schemeClr>
-          </a:lnRef>
-          <a:fillRef idx="1">
-            <a:schemeClr val="accent1"/>
-          </a:fillRef>
-          <a:effectRef idx="0">
-            <a:schemeClr val="accent1"/>
-          </a:effectRef>
-          <a:fontRef idx="minor">
-            <a:schemeClr val="lt1"/>
-          </a:fontRef>
-        </p:style>
-        <p:txBody>
-          <a:bodyPr rtlCol="0" anchor="ctr"/>
-          <a:lstStyle/>
-          <a:p>
-            <a:pPr algn="ctr"/>
-            <a:r>
-              <a:rPr lang="fr-FR" dirty="0"/>
-              <a:t>Item</a:t>
-            </a:r>
-          </a:p>
-        </p:txBody>
-      </p:sp>
-      <p:sp>
-        <p:nvSpPr>
-          <p:cNvPr id="15" name="Rectangle 14">
-            <a:extLst>
-              <a:ext uri="{FF2B5EF4-FFF2-40B4-BE49-F238E27FC236}">
-                <a16:creationId xmlns:a16="http://schemas.microsoft.com/office/drawing/2014/main" id="{6D9ED933-7125-46AB-045F-3358D1456619}"/>
-              </a:ext>
-            </a:extLst>
-          </p:cNvPr>
-          <p:cNvSpPr/>
-          <p:nvPr/>
-        </p:nvSpPr>
-        <p:spPr>
-          <a:xfrm>
-            <a:off x="5528346" y="2955460"/>
-            <a:ext cx="3668120" cy="494480"/>
-          </a:xfrm>
-          <a:prstGeom prst="rect">
-            <a:avLst/>
-          </a:prstGeom>
-          <a:solidFill>
-            <a:schemeClr val="bg1"/>
-          </a:solidFill>
-          <a:ln>
-            <a:solidFill>
-              <a:schemeClr val="tx1">
-                <a:lumMod val="95000"/>
-                <a:lumOff val="5000"/>
-              </a:schemeClr>
-            </a:solidFill>
-          </a:ln>
-        </p:spPr>
-        <p:style>
-          <a:lnRef idx="2">
-            <a:schemeClr val="accent1">
-              <a:shade val="50000"/>
-            </a:schemeClr>
-          </a:lnRef>
-          <a:fillRef idx="1">
-            <a:schemeClr val="accent1"/>
-          </a:fillRef>
-          <a:effectRef idx="0">
-            <a:schemeClr val="accent1"/>
-          </a:effectRef>
-          <a:fontRef idx="minor">
-            <a:schemeClr val="lt1"/>
-          </a:fontRef>
-        </p:style>
-        <p:txBody>
-          <a:bodyPr rtlCol="0" anchor="ctr"/>
-          <a:lstStyle/>
-          <a:p>
-            <a:pPr algn="ctr"/>
-            <a:r>
-              <a:rPr lang="fr-FR" dirty="0"/>
-              <a:t>Nom</a:t>
-            </a:r>
-          </a:p>
-        </p:txBody>
-      </p:sp>
-      <p:sp>
-        <p:nvSpPr>
-          <p:cNvPr id="16" name="Rectangle 15">
-            <a:extLst>
-              <a:ext uri="{FF2B5EF4-FFF2-40B4-BE49-F238E27FC236}">
-                <a16:creationId xmlns:a16="http://schemas.microsoft.com/office/drawing/2014/main" id="{29B5C5EB-81F7-9451-4755-A2B2106D7D45}"/>
-              </a:ext>
-            </a:extLst>
-          </p:cNvPr>
-          <p:cNvSpPr/>
-          <p:nvPr/>
-        </p:nvSpPr>
-        <p:spPr>
-          <a:xfrm>
-            <a:off x="2995534" y="3565900"/>
-            <a:ext cx="2532812" cy="494480"/>
-          </a:xfrm>
-          <a:prstGeom prst="rect">
-            <a:avLst/>
-          </a:prstGeom>
-          <a:solidFill>
-            <a:schemeClr val="bg1">
-              <a:lumMod val="50000"/>
-            </a:schemeClr>
-          </a:solidFill>
-          <a:ln>
-            <a:solidFill>
-              <a:schemeClr val="tx1">
-                <a:lumMod val="95000"/>
-                <a:lumOff val="5000"/>
-              </a:schemeClr>
-            </a:solidFill>
-          </a:ln>
-        </p:spPr>
-        <p:style>
-          <a:lnRef idx="2">
-            <a:schemeClr val="accent1">
-              <a:shade val="50000"/>
-            </a:schemeClr>
-          </a:lnRef>
-          <a:fillRef idx="1">
-            <a:schemeClr val="accent1"/>
-          </a:fillRef>
-          <a:effectRef idx="0">
-            <a:schemeClr val="accent1"/>
-          </a:effectRef>
-          <a:fontRef idx="minor">
-            <a:schemeClr val="lt1"/>
-          </a:fontRef>
-        </p:style>
-        <p:txBody>
-          <a:bodyPr rtlCol="0" anchor="ctr"/>
-          <a:lstStyle/>
-          <a:p>
-            <a:pPr algn="ctr"/>
-            <a:r>
-              <a:rPr lang="fr-FR" dirty="0"/>
-              <a:t>Item</a:t>
-            </a:r>
-          </a:p>
-        </p:txBody>
-      </p:sp>
-      <p:sp>
-        <p:nvSpPr>
-          <p:cNvPr id="17" name="Rectangle 16">
-            <a:extLst>
-              <a:ext uri="{FF2B5EF4-FFF2-40B4-BE49-F238E27FC236}">
-                <a16:creationId xmlns:a16="http://schemas.microsoft.com/office/drawing/2014/main" id="{18B314F3-03A8-2FA3-EA16-720D438B8EF4}"/>
-              </a:ext>
-            </a:extLst>
-          </p:cNvPr>
-          <p:cNvSpPr/>
-          <p:nvPr/>
-        </p:nvSpPr>
-        <p:spPr>
-          <a:xfrm>
-            <a:off x="5528346" y="3547841"/>
-            <a:ext cx="3668120" cy="494480"/>
-          </a:xfrm>
-          <a:prstGeom prst="rect">
-            <a:avLst/>
-          </a:prstGeom>
-          <a:solidFill>
-            <a:schemeClr val="bg1"/>
-          </a:solidFill>
-          <a:ln>
-            <a:solidFill>
-              <a:schemeClr val="tx1">
-                <a:lumMod val="95000"/>
-                <a:lumOff val="5000"/>
-              </a:schemeClr>
-            </a:solidFill>
-          </a:ln>
-        </p:spPr>
-        <p:style>
-          <a:lnRef idx="2">
-            <a:schemeClr val="accent1">
-              <a:shade val="50000"/>
-            </a:schemeClr>
-          </a:lnRef>
-          <a:fillRef idx="1">
-            <a:schemeClr val="accent1"/>
-          </a:fillRef>
-          <a:effectRef idx="0">
-            <a:schemeClr val="accent1"/>
-          </a:effectRef>
-          <a:fontRef idx="minor">
-            <a:schemeClr val="lt1"/>
-          </a:fontRef>
-        </p:style>
-        <p:txBody>
-          <a:bodyPr rtlCol="0" anchor="ctr"/>
-          <a:lstStyle/>
-          <a:p>
-            <a:pPr algn="ctr"/>
-            <a:r>
-              <a:rPr lang="fr-FR" dirty="0"/>
-              <a:t>Nom</a:t>
-            </a:r>
-          </a:p>
-        </p:txBody>
-      </p:sp>
-      <p:sp>
-        <p:nvSpPr>
-          <p:cNvPr id="18" name="Rectangle 17">
-            <a:extLst>
-              <a:ext uri="{FF2B5EF4-FFF2-40B4-BE49-F238E27FC236}">
-                <a16:creationId xmlns:a16="http://schemas.microsoft.com/office/drawing/2014/main" id="{1745BE07-1779-B494-9B58-14B9D62D5B33}"/>
-              </a:ext>
-            </a:extLst>
-          </p:cNvPr>
-          <p:cNvSpPr/>
-          <p:nvPr/>
-        </p:nvSpPr>
-        <p:spPr>
-          <a:xfrm>
-            <a:off x="2995534" y="4158281"/>
-            <a:ext cx="2532812" cy="494480"/>
-          </a:xfrm>
-          <a:prstGeom prst="rect">
-            <a:avLst/>
-          </a:prstGeom>
-          <a:solidFill>
-            <a:schemeClr val="bg1">
-              <a:lumMod val="50000"/>
-            </a:schemeClr>
-          </a:solidFill>
-          <a:ln>
-            <a:solidFill>
-              <a:schemeClr val="tx1">
-                <a:lumMod val="95000"/>
-                <a:lumOff val="5000"/>
-              </a:schemeClr>
-            </a:solidFill>
-          </a:ln>
-        </p:spPr>
-        <p:style>
-          <a:lnRef idx="2">
-            <a:schemeClr val="accent1">
-              <a:shade val="50000"/>
-            </a:schemeClr>
-          </a:lnRef>
-          <a:fillRef idx="1">
-            <a:schemeClr val="accent1"/>
-          </a:fillRef>
-          <a:effectRef idx="0">
-            <a:schemeClr val="accent1"/>
-          </a:effectRef>
-          <a:fontRef idx="minor">
-            <a:schemeClr val="lt1"/>
-          </a:fontRef>
-        </p:style>
-        <p:txBody>
-          <a:bodyPr rtlCol="0" anchor="ctr"/>
-          <a:lstStyle/>
-          <a:p>
-            <a:pPr algn="ctr"/>
-            <a:r>
-              <a:rPr lang="fr-FR" dirty="0"/>
-              <a:t>Item</a:t>
-            </a:r>
-          </a:p>
-        </p:txBody>
-      </p:sp>
-      <p:sp>
-        <p:nvSpPr>
-          <p:cNvPr id="19" name="Rectangle 18">
-            <a:extLst>
-              <a:ext uri="{FF2B5EF4-FFF2-40B4-BE49-F238E27FC236}">
-                <a16:creationId xmlns:a16="http://schemas.microsoft.com/office/drawing/2014/main" id="{F0B101F4-8629-499A-3454-EFC515B588CC}"/>
-              </a:ext>
-            </a:extLst>
-          </p:cNvPr>
-          <p:cNvSpPr/>
-          <p:nvPr/>
-        </p:nvSpPr>
-        <p:spPr>
-          <a:xfrm>
-            <a:off x="5528346" y="4170945"/>
-            <a:ext cx="3668120" cy="1608676"/>
-          </a:xfrm>
-          <a:prstGeom prst="rect">
-            <a:avLst/>
-          </a:prstGeom>
-          <a:solidFill>
-            <a:schemeClr val="bg1"/>
-          </a:solidFill>
-          <a:ln>
-            <a:solidFill>
-              <a:schemeClr val="tx1">
-                <a:lumMod val="95000"/>
-                <a:lumOff val="5000"/>
-              </a:schemeClr>
-            </a:solidFill>
-          </a:ln>
-        </p:spPr>
-        <p:style>
-          <a:lnRef idx="2">
-            <a:schemeClr val="accent1">
-              <a:shade val="50000"/>
-            </a:schemeClr>
-          </a:lnRef>
-          <a:fillRef idx="1">
-            <a:schemeClr val="accent1"/>
-          </a:fillRef>
-          <a:effectRef idx="0">
-            <a:schemeClr val="accent1"/>
-          </a:effectRef>
-          <a:fontRef idx="minor">
-            <a:schemeClr val="lt1"/>
-          </a:fontRef>
-        </p:style>
-        <p:txBody>
-          <a:bodyPr rtlCol="0" anchor="ctr"/>
-          <a:lstStyle/>
-          <a:p>
-            <a:pPr algn="ctr"/>
-            <a:r>
-              <a:rPr lang="fr-FR" dirty="0"/>
-              <a:t>Nom</a:t>
-            </a:r>
-          </a:p>
-        </p:txBody>
-      </p:sp>
-      <p:sp>
-        <p:nvSpPr>
-          <p:cNvPr id="20" name="Rectangle 19">
-            <a:extLst>
-              <a:ext uri="{FF2B5EF4-FFF2-40B4-BE49-F238E27FC236}">
-                <a16:creationId xmlns:a16="http://schemas.microsoft.com/office/drawing/2014/main" id="{07B107CC-2C17-9718-47C6-C5F61870C0DF}"/>
-              </a:ext>
-            </a:extLst>
-          </p:cNvPr>
-          <p:cNvSpPr/>
-          <p:nvPr/>
-        </p:nvSpPr>
-        <p:spPr>
-          <a:xfrm>
-            <a:off x="2995534" y="1142895"/>
-            <a:ext cx="2532812" cy="494480"/>
-          </a:xfrm>
-          <a:prstGeom prst="rect">
-            <a:avLst/>
-          </a:prstGeom>
-          <a:solidFill>
-            <a:schemeClr val="bg1">
-              <a:lumMod val="50000"/>
-            </a:schemeClr>
-          </a:solidFill>
-          <a:ln>
-            <a:solidFill>
-              <a:schemeClr val="tx1">
-                <a:lumMod val="95000"/>
-                <a:lumOff val="5000"/>
-              </a:schemeClr>
-            </a:solidFill>
-          </a:ln>
-        </p:spPr>
-        <p:style>
-          <a:lnRef idx="2">
-            <a:schemeClr val="accent1">
-              <a:shade val="50000"/>
-            </a:schemeClr>
-          </a:lnRef>
-          <a:fillRef idx="1">
-            <a:schemeClr val="accent1"/>
-          </a:fillRef>
-          <a:effectRef idx="0">
-            <a:schemeClr val="accent1"/>
-          </a:effectRef>
-          <a:fontRef idx="minor">
-            <a:schemeClr val="lt1"/>
-          </a:fontRef>
-        </p:style>
-        <p:txBody>
-          <a:bodyPr rtlCol="0" anchor="ctr"/>
-          <a:lstStyle/>
-          <a:p>
-            <a:pPr algn="ctr"/>
-            <a:r>
-              <a:rPr lang="fr-FR" dirty="0"/>
-              <a:t>Item</a:t>
-            </a:r>
-          </a:p>
-        </p:txBody>
-      </p:sp>
-      <p:sp>
-        <p:nvSpPr>
-          <p:cNvPr id="21" name="Rectangle 20">
-            <a:extLst>
-              <a:ext uri="{FF2B5EF4-FFF2-40B4-BE49-F238E27FC236}">
-                <a16:creationId xmlns:a16="http://schemas.microsoft.com/office/drawing/2014/main" id="{E402F11A-DEB3-9B2E-4898-4DE77D7C5445}"/>
-              </a:ext>
-            </a:extLst>
-          </p:cNvPr>
-          <p:cNvSpPr/>
-          <p:nvPr/>
-        </p:nvSpPr>
-        <p:spPr>
-          <a:xfrm>
-            <a:off x="5528346" y="1142895"/>
-            <a:ext cx="3668120" cy="494480"/>
-          </a:xfrm>
-          <a:prstGeom prst="rect">
-            <a:avLst/>
-          </a:prstGeom>
-          <a:solidFill>
-            <a:schemeClr val="bg1"/>
-          </a:solidFill>
-          <a:ln>
-            <a:solidFill>
-              <a:schemeClr val="tx1">
-                <a:lumMod val="95000"/>
-                <a:lumOff val="5000"/>
-              </a:schemeClr>
-            </a:solidFill>
-          </a:ln>
-        </p:spPr>
-        <p:style>
-          <a:lnRef idx="2">
-            <a:schemeClr val="accent1">
-              <a:shade val="50000"/>
-            </a:schemeClr>
-          </a:lnRef>
-          <a:fillRef idx="1">
-            <a:schemeClr val="accent1"/>
-          </a:fillRef>
-          <a:effectRef idx="0">
-            <a:schemeClr val="accent1"/>
-          </a:effectRef>
-          <a:fontRef idx="minor">
-            <a:schemeClr val="lt1"/>
-          </a:fontRef>
-        </p:style>
-        <p:txBody>
-          <a:bodyPr rtlCol="0" anchor="ctr"/>
-          <a:lstStyle/>
-          <a:p>
-            <a:pPr algn="ctr"/>
-            <a:r>
-              <a:rPr lang="fr-FR" dirty="0"/>
-              <a:t>Nom</a:t>
-            </a:r>
-          </a:p>
-        </p:txBody>
-      </p:sp>
-    </p:spTree>
-    <p:extLst>
-      <p:ext uri="{BB962C8B-B14F-4D97-AF65-F5344CB8AC3E}">
-        <p14:creationId xmlns:p14="http://schemas.microsoft.com/office/powerpoint/2010/main" val="3612715377"/>
-      </p:ext>
-    </p:extLst>
-  </p:cSld>
-  <p:clrMapOvr>
-    <a:masterClrMapping/>
-  </p:clrMapOvr>
-</p:sld>
-</file>
-
 <file path=ppt/slides/slide8.xml><?xml version="1.0" encoding="utf-8"?>
 <p:sld xmlns:a="http://schemas.openxmlformats.org/drawingml/2006/main" xmlns:r="http://schemas.openxmlformats.org/officeDocument/2006/relationships" xmlns:p="http://schemas.openxmlformats.org/presentationml/2006/main">
   <p:cSld>
@@ -11888,10 +11888,10 @@
       </p:sp>
       <p:sp>
         <p:nvSpPr>
-          <p:cNvPr id="12" name="Rectangle 11">
-            <a:extLst>
-              <a:ext uri="{FF2B5EF4-FFF2-40B4-BE49-F238E27FC236}">
-                <a16:creationId xmlns:a16="http://schemas.microsoft.com/office/drawing/2014/main" id="{5E3D5D8B-7C89-494B-4AF8-DCD7D4210996}"/>
+          <p:cNvPr id="21" name="Rectangle 20">
+            <a:extLst>
+              <a:ext uri="{FF2B5EF4-FFF2-40B4-BE49-F238E27FC236}">
+                <a16:creationId xmlns:a16="http://schemas.microsoft.com/office/drawing/2014/main" id="{A4884FDB-B1B7-292E-FB9F-09FC2109A5EC}"/>
               </a:ext>
             </a:extLst>
           </p:cNvPr>
@@ -11900,8 +11900,8 @@
         </p:nvSpPr>
         <p:spPr>
           <a:xfrm>
-            <a:off x="1535186" y="1807224"/>
-            <a:ext cx="2390862" cy="719138"/>
+            <a:off x="1695506" y="4794525"/>
+            <a:ext cx="2055549" cy="494480"/>
           </a:xfrm>
           <a:prstGeom prst="rect">
             <a:avLst/>
@@ -11942,19 +11942,18 @@
           <a:p>
             <a:pPr algn="ctr"/>
             <a:r>
-              <a:rPr lang="fr-FR" b="0" dirty="0"/>
-              <a:t>Item</a:t>
-            </a:r>
-            <a:endParaRPr lang="fr-FR" dirty="0"/>
-          </a:p>
-        </p:txBody>
-      </p:sp>
-      <p:sp>
-        <p:nvSpPr>
-          <p:cNvPr id="13" name="Rectangle 12">
-            <a:extLst>
-              <a:ext uri="{FF2B5EF4-FFF2-40B4-BE49-F238E27FC236}">
-                <a16:creationId xmlns:a16="http://schemas.microsoft.com/office/drawing/2014/main" id="{1EFFF0C9-F1B8-A6DD-42C6-51EEEBEE3A6E}"/>
+              <a:rPr lang="fr-FR" dirty="0"/>
+              <a:t>Button</a:t>
+            </a:r>
+          </a:p>
+        </p:txBody>
+      </p:sp>
+      <p:sp>
+        <p:nvSpPr>
+          <p:cNvPr id="22" name="Rectangle 21">
+            <a:extLst>
+              <a:ext uri="{FF2B5EF4-FFF2-40B4-BE49-F238E27FC236}">
+                <a16:creationId xmlns:a16="http://schemas.microsoft.com/office/drawing/2014/main" id="{5BE0084B-E86B-A97D-7A34-3C18EDE0F93C}"/>
               </a:ext>
             </a:extLst>
           </p:cNvPr>
@@ -11963,15 +11962,15 @@
         </p:nvSpPr>
         <p:spPr>
           <a:xfrm>
-            <a:off x="1535185" y="2526362"/>
-            <a:ext cx="2390862" cy="719138"/>
+            <a:off x="1519204" y="1720232"/>
+            <a:ext cx="2528449" cy="494480"/>
           </a:xfrm>
           <a:prstGeom prst="rect">
             <a:avLst/>
           </a:prstGeom>
           <a:solidFill>
             <a:schemeClr val="bg1">
-              <a:lumMod val="50000"/>
+              <a:lumMod val="95000"/>
             </a:schemeClr>
           </a:solidFill>
           <a:ln>
@@ -12005,19 +12004,27 @@
           <a:p>
             <a:pPr algn="ctr"/>
             <a:r>
-              <a:rPr lang="fr-FR" b="0" dirty="0"/>
-              <a:t>Item</a:t>
-            </a:r>
-            <a:endParaRPr lang="fr-FR" dirty="0"/>
-          </a:p>
-        </p:txBody>
-      </p:sp>
-      <p:sp>
-        <p:nvSpPr>
-          <p:cNvPr id="14" name="Rectangle 13">
-            <a:extLst>
-              <a:ext uri="{FF2B5EF4-FFF2-40B4-BE49-F238E27FC236}">
-                <a16:creationId xmlns:a16="http://schemas.microsoft.com/office/drawing/2014/main" id="{204331D5-D27D-93DB-03F4-BD832042B1DB}"/>
+              <a:rPr lang="fr-FR" dirty="0" err="1">
+                <a:solidFill>
+                  <a:sysClr val="windowText" lastClr="000000"/>
+                </a:solidFill>
+              </a:rPr>
+              <a:t>Form</a:t>
+            </a:r>
+            <a:endParaRPr lang="fr-FR" dirty="0">
+              <a:solidFill>
+                <a:sysClr val="windowText" lastClr="000000"/>
+              </a:solidFill>
+            </a:endParaRPr>
+          </a:p>
+        </p:txBody>
+      </p:sp>
+      <p:sp>
+        <p:nvSpPr>
+          <p:cNvPr id="23" name="Rectangle 22">
+            <a:extLst>
+              <a:ext uri="{FF2B5EF4-FFF2-40B4-BE49-F238E27FC236}">
+                <a16:creationId xmlns:a16="http://schemas.microsoft.com/office/drawing/2014/main" id="{A13F29D7-9548-B3F7-7439-9FA6FB3896D4}"/>
               </a:ext>
             </a:extLst>
           </p:cNvPr>
@@ -12026,8 +12033,8 @@
         </p:nvSpPr>
         <p:spPr>
           <a:xfrm>
-            <a:off x="1535184" y="3245500"/>
-            <a:ext cx="2390862" cy="719138"/>
+            <a:off x="1519205" y="2391791"/>
+            <a:ext cx="2528449" cy="311383"/>
           </a:xfrm>
           <a:prstGeom prst="rect">
             <a:avLst/>
@@ -12068,19 +12075,18 @@
           <a:p>
             <a:pPr algn="ctr"/>
             <a:r>
-              <a:rPr lang="fr-FR" b="0" dirty="0"/>
+              <a:rPr lang="fr-FR" dirty="0"/>
               <a:t>Item</a:t>
             </a:r>
-            <a:endParaRPr lang="fr-FR" dirty="0"/>
-          </a:p>
-        </p:txBody>
-      </p:sp>
-      <p:sp>
-        <p:nvSpPr>
-          <p:cNvPr id="15" name="Rectangle 14">
-            <a:extLst>
-              <a:ext uri="{FF2B5EF4-FFF2-40B4-BE49-F238E27FC236}">
-                <a16:creationId xmlns:a16="http://schemas.microsoft.com/office/drawing/2014/main" id="{35548761-D01C-3B6B-D431-8157DA85D311}"/>
+          </a:p>
+        </p:txBody>
+      </p:sp>
+      <p:sp>
+        <p:nvSpPr>
+          <p:cNvPr id="24" name="Rectangle 23">
+            <a:extLst>
+              <a:ext uri="{FF2B5EF4-FFF2-40B4-BE49-F238E27FC236}">
+                <a16:creationId xmlns:a16="http://schemas.microsoft.com/office/drawing/2014/main" id="{5E4E9403-1477-D6BA-6AB9-26FD5EB605F2}"/>
               </a:ext>
             </a:extLst>
           </p:cNvPr>
@@ -12089,16 +12095,14 @@
         </p:nvSpPr>
         <p:spPr>
           <a:xfrm>
-            <a:off x="1535183" y="3980377"/>
-            <a:ext cx="2390862" cy="719138"/>
-          </a:xfrm>
-          <a:prstGeom prst="rect">
-            <a:avLst/>
-          </a:prstGeom>
-          <a:solidFill>
-            <a:schemeClr val="bg1">
-              <a:lumMod val="50000"/>
-            </a:schemeClr>
+            <a:off x="1519205" y="2807715"/>
+            <a:ext cx="2528449" cy="494480"/>
+          </a:xfrm>
+          <a:prstGeom prst="rect">
+            <a:avLst/>
+          </a:prstGeom>
+          <a:solidFill>
+            <a:schemeClr val="bg1"/>
           </a:solidFill>
           <a:ln>
             <a:solidFill>
@@ -12131,19 +12135,18 @@
           <a:p>
             <a:pPr algn="ctr"/>
             <a:r>
-              <a:rPr lang="fr-FR" b="0" dirty="0"/>
-              <a:t>Item</a:t>
-            </a:r>
-            <a:endParaRPr lang="fr-FR" dirty="0"/>
-          </a:p>
-        </p:txBody>
-      </p:sp>
-      <p:sp>
-        <p:nvSpPr>
-          <p:cNvPr id="16" name="Rectangle 15">
-            <a:extLst>
-              <a:ext uri="{FF2B5EF4-FFF2-40B4-BE49-F238E27FC236}">
-                <a16:creationId xmlns:a16="http://schemas.microsoft.com/office/drawing/2014/main" id="{044F64EF-7380-A9C6-7091-D8512658BB64}"/>
+              <a:rPr lang="fr-FR" dirty="0"/>
+              <a:t>Nom</a:t>
+            </a:r>
+          </a:p>
+        </p:txBody>
+      </p:sp>
+      <p:sp>
+        <p:nvSpPr>
+          <p:cNvPr id="25" name="Rectangle 24">
+            <a:extLst>
+              <a:ext uri="{FF2B5EF4-FFF2-40B4-BE49-F238E27FC236}">
+                <a16:creationId xmlns:a16="http://schemas.microsoft.com/office/drawing/2014/main" id="{3F11FA65-EAD7-6653-6B51-54B8535EA877}"/>
               </a:ext>
             </a:extLst>
           </p:cNvPr>
@@ -12152,8 +12155,8 @@
         </p:nvSpPr>
         <p:spPr>
           <a:xfrm>
-            <a:off x="1535182" y="4683776"/>
-            <a:ext cx="2390862" cy="719138"/>
+            <a:off x="1491651" y="3524357"/>
+            <a:ext cx="2528449" cy="355922"/>
           </a:xfrm>
           <a:prstGeom prst="rect">
             <a:avLst/>
@@ -12194,10 +12197,69 @@
           <a:p>
             <a:pPr algn="ctr"/>
             <a:r>
-              <a:rPr lang="fr-FR" b="0" dirty="0"/>
+              <a:rPr lang="fr-FR" dirty="0"/>
               <a:t>Item</a:t>
             </a:r>
-            <a:endParaRPr lang="fr-FR" dirty="0"/>
+          </a:p>
+        </p:txBody>
+      </p:sp>
+      <p:sp>
+        <p:nvSpPr>
+          <p:cNvPr id="26" name="Rectangle 25">
+            <a:extLst>
+              <a:ext uri="{FF2B5EF4-FFF2-40B4-BE49-F238E27FC236}">
+                <a16:creationId xmlns:a16="http://schemas.microsoft.com/office/drawing/2014/main" id="{621D4FE8-1847-1105-9CBA-5294FF320C74}"/>
+              </a:ext>
+            </a:extLst>
+          </p:cNvPr>
+          <p:cNvSpPr/>
+          <p:nvPr/>
+        </p:nvSpPr>
+        <p:spPr>
+          <a:xfrm>
+            <a:off x="1491651" y="3945887"/>
+            <a:ext cx="2528449" cy="494480"/>
+          </a:xfrm>
+          <a:prstGeom prst="rect">
+            <a:avLst/>
+          </a:prstGeom>
+          <a:solidFill>
+            <a:schemeClr val="bg1"/>
+          </a:solidFill>
+          <a:ln>
+            <a:solidFill>
+              <a:schemeClr val="tx1">
+                <a:lumMod val="95000"/>
+                <a:lumOff val="5000"/>
+              </a:schemeClr>
+            </a:solidFill>
+          </a:ln>
+        </p:spPr>
+        <p:style>
+          <a:lnRef idx="2">
+            <a:schemeClr val="accent1">
+              <a:shade val="50000"/>
+            </a:schemeClr>
+          </a:lnRef>
+          <a:fillRef idx="1">
+            <a:schemeClr val="accent1"/>
+          </a:fillRef>
+          <a:effectRef idx="0">
+            <a:schemeClr val="accent1"/>
+          </a:effectRef>
+          <a:fontRef idx="minor">
+            <a:schemeClr val="lt1"/>
+          </a:fontRef>
+        </p:style>
+        <p:txBody>
+          <a:bodyPr rtlCol="0" anchor="ctr"/>
+          <a:lstStyle/>
+          <a:p>
+            <a:pPr algn="ctr"/>
+            <a:r>
+              <a:rPr lang="fr-FR" dirty="0"/>
+              <a:t>Nom</a:t>
+            </a:r>
           </a:p>
         </p:txBody>
       </p:sp>
